--- a/tyler/meena/cs220/s22/materials/lecture_ppts/lec_32_S22.pptx
+++ b/tyler/meena/cs220/s22/materials/lecture_ppts/lec_32_S22.pptx
@@ -1974,7 +1974,7 @@
           </a:ln>
           <a:extLst>
             <a:ext uri="{C572A759-6A51-4108-AA02-DFA0A04FC94B}">
-              <ma14:wrappingTextBoxFlag xmlns:ma14="http://schemas.microsoft.com/office/mac/drawingml/2011/main" xmlns:a14="http://schemas.microsoft.com/office/drawing/2010/main" xmlns:m="http://schemas.openxmlformats.org/officeDocument/2006/math" xmlns="" val="1"/>
+              <ma14:wrappingTextBoxFlag xmlns="" xmlns:m="http://schemas.openxmlformats.org/officeDocument/2006/math" xmlns:a14="http://schemas.microsoft.com/office/drawing/2010/main" xmlns:ma14="http://schemas.microsoft.com/office/mac/drawingml/2011/main" val="1"/>
             </a:ext>
           </a:extLst>
         </p:spPr>
@@ -2013,7 +2013,7 @@
           </a:ln>
           <a:extLst>
             <a:ext uri="{C572A759-6A51-4108-AA02-DFA0A04FC94B}">
-              <ma14:wrappingTextBoxFlag xmlns:ma14="http://schemas.microsoft.com/office/mac/drawingml/2011/main" xmlns:a14="http://schemas.microsoft.com/office/drawing/2010/main" xmlns:m="http://schemas.openxmlformats.org/officeDocument/2006/math" xmlns="" val="1"/>
+              <ma14:wrappingTextBoxFlag xmlns="" xmlns:m="http://schemas.openxmlformats.org/officeDocument/2006/math" xmlns:a14="http://schemas.microsoft.com/office/drawing/2010/main" xmlns:ma14="http://schemas.microsoft.com/office/mac/drawingml/2011/main" val="1"/>
             </a:ext>
           </a:extLst>
         </p:spPr>
@@ -2917,7 +2917,7 @@
         </p:spPr>
         <p:txBody>
           <a:bodyPr>
-            <a:normAutofit fontScale="70000" lnSpcReduction="20000"/>
+            <a:noAutofit/>
           </a:bodyPr>
           <a:lstStyle>
             <a:lvl1pPr>
@@ -3112,7 +3112,7 @@
           </a:ln>
           <a:extLst>
             <a:ext uri="{C572A759-6A51-4108-AA02-DFA0A04FC94B}">
-              <ma14:wrappingTextBoxFlag xmlns:ma14="http://schemas.microsoft.com/office/mac/drawingml/2011/main" xmlns:a14="http://schemas.microsoft.com/office/drawing/2010/main" xmlns:m="http://schemas.openxmlformats.org/officeDocument/2006/math" xmlns="" val="1"/>
+              <ma14:wrappingTextBoxFlag xmlns="" xmlns:m="http://schemas.openxmlformats.org/officeDocument/2006/math" xmlns:a14="http://schemas.microsoft.com/office/drawing/2010/main" xmlns:ma14="http://schemas.microsoft.com/office/mac/drawingml/2011/main" val="1"/>
             </a:ext>
           </a:extLst>
         </p:spPr>
@@ -3825,7 +3825,7 @@
           </a:ln>
           <a:extLst>
             <a:ext uri="{C572A759-6A51-4108-AA02-DFA0A04FC94B}">
-              <ma14:wrappingTextBoxFlag xmlns:ma14="http://schemas.microsoft.com/office/mac/drawingml/2011/main" xmlns:a14="http://schemas.microsoft.com/office/drawing/2010/main" xmlns:m="http://schemas.openxmlformats.org/officeDocument/2006/math" xmlns="" val="1"/>
+              <ma14:wrappingTextBoxFlag xmlns="" xmlns:m="http://schemas.openxmlformats.org/officeDocument/2006/math" xmlns:a14="http://schemas.microsoft.com/office/drawing/2010/main" xmlns:ma14="http://schemas.microsoft.com/office/mac/drawingml/2011/main" val="1"/>
             </a:ext>
           </a:extLst>
         </p:spPr>
@@ -3945,7 +3945,7 @@
           </a:ln>
           <a:extLst>
             <a:ext uri="{C572A759-6A51-4108-AA02-DFA0A04FC94B}">
-              <ma14:wrappingTextBoxFlag xmlns:ma14="http://schemas.microsoft.com/office/mac/drawingml/2011/main" xmlns:a14="http://schemas.microsoft.com/office/drawing/2010/main" xmlns:m="http://schemas.openxmlformats.org/officeDocument/2006/math" xmlns="" val="1"/>
+              <ma14:wrappingTextBoxFlag xmlns="" xmlns:m="http://schemas.openxmlformats.org/officeDocument/2006/math" xmlns:a14="http://schemas.microsoft.com/office/drawing/2010/main" xmlns:ma14="http://schemas.microsoft.com/office/mac/drawingml/2011/main" val="1"/>
             </a:ext>
           </a:extLst>
         </p:spPr>
@@ -4035,7 +4035,7 @@
           </a:ln>
           <a:extLst>
             <a:ext uri="{C572A759-6A51-4108-AA02-DFA0A04FC94B}">
-              <ma14:wrappingTextBoxFlag xmlns:ma14="http://schemas.microsoft.com/office/mac/drawingml/2011/main" xmlns:a14="http://schemas.microsoft.com/office/drawing/2010/main" xmlns:m="http://schemas.openxmlformats.org/officeDocument/2006/math" xmlns="" val="1"/>
+              <ma14:wrappingTextBoxFlag xmlns="" xmlns:m="http://schemas.openxmlformats.org/officeDocument/2006/math" xmlns:a14="http://schemas.microsoft.com/office/drawing/2010/main" xmlns:ma14="http://schemas.microsoft.com/office/mac/drawingml/2011/main" val="1"/>
             </a:ext>
           </a:extLst>
         </p:spPr>
@@ -4120,7 +4120,7 @@
           </a:ln>
           <a:extLst>
             <a:ext uri="{C572A759-6A51-4108-AA02-DFA0A04FC94B}">
-              <ma14:wrappingTextBoxFlag xmlns:ma14="http://schemas.microsoft.com/office/mac/drawingml/2011/main" xmlns:a14="http://schemas.microsoft.com/office/drawing/2010/main" xmlns:m="http://schemas.openxmlformats.org/officeDocument/2006/math" xmlns="" val="1"/>
+              <ma14:wrappingTextBoxFlag xmlns="" xmlns:m="http://schemas.openxmlformats.org/officeDocument/2006/math" xmlns:a14="http://schemas.microsoft.com/office/drawing/2010/main" xmlns:ma14="http://schemas.microsoft.com/office/mac/drawingml/2011/main" val="1"/>
             </a:ext>
           </a:extLst>
         </p:spPr>
@@ -4274,7 +4274,7 @@
           </a:ln>
           <a:extLst>
             <a:ext uri="{C572A759-6A51-4108-AA02-DFA0A04FC94B}">
-              <ma14:wrappingTextBoxFlag xmlns:ma14="http://schemas.microsoft.com/office/mac/drawingml/2011/main" xmlns:a14="http://schemas.microsoft.com/office/drawing/2010/main" xmlns:m="http://schemas.openxmlformats.org/officeDocument/2006/math" xmlns="" val="1"/>
+              <ma14:wrappingTextBoxFlag xmlns="" xmlns:m="http://schemas.openxmlformats.org/officeDocument/2006/math" xmlns:a14="http://schemas.microsoft.com/office/drawing/2010/main" xmlns:ma14="http://schemas.microsoft.com/office/mac/drawingml/2011/main" val="1"/>
             </a:ext>
           </a:extLst>
         </p:spPr>
@@ -4987,7 +4987,7 @@
           </a:ln>
           <a:extLst>
             <a:ext uri="{C572A759-6A51-4108-AA02-DFA0A04FC94B}">
-              <ma14:wrappingTextBoxFlag xmlns:ma14="http://schemas.microsoft.com/office/mac/drawingml/2011/main" xmlns:a14="http://schemas.microsoft.com/office/drawing/2010/main" xmlns:m="http://schemas.openxmlformats.org/officeDocument/2006/math" xmlns="" val="1"/>
+              <ma14:wrappingTextBoxFlag xmlns="" xmlns:m="http://schemas.openxmlformats.org/officeDocument/2006/math" xmlns:a14="http://schemas.microsoft.com/office/drawing/2010/main" xmlns:ma14="http://schemas.microsoft.com/office/mac/drawingml/2011/main" val="1"/>
             </a:ext>
           </a:extLst>
         </p:spPr>
@@ -5107,7 +5107,7 @@
           </a:ln>
           <a:extLst>
             <a:ext uri="{C572A759-6A51-4108-AA02-DFA0A04FC94B}">
-              <ma14:wrappingTextBoxFlag xmlns:ma14="http://schemas.microsoft.com/office/mac/drawingml/2011/main" xmlns:a14="http://schemas.microsoft.com/office/drawing/2010/main" xmlns:m="http://schemas.openxmlformats.org/officeDocument/2006/math" xmlns="" val="1"/>
+              <ma14:wrappingTextBoxFlag xmlns="" xmlns:m="http://schemas.openxmlformats.org/officeDocument/2006/math" xmlns:a14="http://schemas.microsoft.com/office/drawing/2010/main" xmlns:ma14="http://schemas.microsoft.com/office/mac/drawingml/2011/main" val="1"/>
             </a:ext>
           </a:extLst>
         </p:spPr>
@@ -5242,7 +5242,7 @@
           </a:ln>
           <a:extLst>
             <a:ext uri="{C572A759-6A51-4108-AA02-DFA0A04FC94B}">
-              <ma14:wrappingTextBoxFlag xmlns:ma14="http://schemas.microsoft.com/office/mac/drawingml/2011/main" xmlns:a14="http://schemas.microsoft.com/office/drawing/2010/main" xmlns:m="http://schemas.openxmlformats.org/officeDocument/2006/math" xmlns="" val="1"/>
+              <ma14:wrappingTextBoxFlag xmlns="" xmlns:m="http://schemas.openxmlformats.org/officeDocument/2006/math" xmlns:a14="http://schemas.microsoft.com/office/drawing/2010/main" xmlns:ma14="http://schemas.microsoft.com/office/mac/drawingml/2011/main" val="1"/>
             </a:ext>
           </a:extLst>
         </p:spPr>
@@ -5283,7 +5283,7 @@
           </a:ln>
           <a:extLst>
             <a:ext uri="{C572A759-6A51-4108-AA02-DFA0A04FC94B}">
-              <ma14:wrappingTextBoxFlag xmlns:ma14="http://schemas.microsoft.com/office/mac/drawingml/2011/main" xmlns:a14="http://schemas.microsoft.com/office/drawing/2010/main" xmlns:m="http://schemas.openxmlformats.org/officeDocument/2006/math" xmlns="" val="1"/>
+              <ma14:wrappingTextBoxFlag xmlns="" xmlns:m="http://schemas.openxmlformats.org/officeDocument/2006/math" xmlns:a14="http://schemas.microsoft.com/office/drawing/2010/main" xmlns:ma14="http://schemas.microsoft.com/office/mac/drawingml/2011/main" val="1"/>
             </a:ext>
           </a:extLst>
         </p:spPr>
@@ -5465,7 +5465,7 @@
           </a:ln>
           <a:extLst>
             <a:ext uri="{C572A759-6A51-4108-AA02-DFA0A04FC94B}">
-              <ma14:wrappingTextBoxFlag xmlns:ma14="http://schemas.microsoft.com/office/mac/drawingml/2011/main" xmlns:a14="http://schemas.microsoft.com/office/drawing/2010/main" xmlns:m="http://schemas.openxmlformats.org/officeDocument/2006/math" xmlns="" val="1"/>
+              <ma14:wrappingTextBoxFlag xmlns="" xmlns:m="http://schemas.openxmlformats.org/officeDocument/2006/math" xmlns:a14="http://schemas.microsoft.com/office/drawing/2010/main" xmlns:ma14="http://schemas.microsoft.com/office/mac/drawingml/2011/main" val="1"/>
             </a:ext>
           </a:extLst>
         </p:spPr>
@@ -19120,7 +19120,7 @@
           </a:ln>
           <a:extLst>
             <a:ext uri="{C572A759-6A51-4108-AA02-DFA0A04FC94B}">
-              <ma14:wrappingTextBoxFlag xmlns:ma14="http://schemas.microsoft.com/office/mac/drawingml/2011/main" xmlns:a14="http://schemas.microsoft.com/office/drawing/2010/main" xmlns:m="http://schemas.openxmlformats.org/officeDocument/2006/math" xmlns="" val="1"/>
+              <ma14:wrappingTextBoxFlag xmlns="" xmlns:m="http://schemas.openxmlformats.org/officeDocument/2006/math" xmlns:a14="http://schemas.microsoft.com/office/drawing/2010/main" xmlns:ma14="http://schemas.microsoft.com/office/mac/drawingml/2011/main" val="1"/>
             </a:ext>
           </a:extLst>
         </p:spPr>
@@ -25546,7 +25546,7 @@
           </a:ln>
           <a:extLst>
             <a:ext uri="{C572A759-6A51-4108-AA02-DFA0A04FC94B}">
-              <ma14:wrappingTextBoxFlag xmlns:ma14="http://schemas.microsoft.com/office/mac/drawingml/2011/main" xmlns:a14="http://schemas.microsoft.com/office/drawing/2010/main" xmlns:m="http://schemas.openxmlformats.org/officeDocument/2006/math" xmlns="" val="1"/>
+              <ma14:wrappingTextBoxFlag xmlns="" xmlns:m="http://schemas.openxmlformats.org/officeDocument/2006/math" xmlns:a14="http://schemas.microsoft.com/office/drawing/2010/main" xmlns:ma14="http://schemas.microsoft.com/office/mac/drawingml/2011/main" val="1"/>
             </a:ext>
           </a:extLst>
         </p:spPr>
@@ -25581,7 +25581,7 @@
           </a:ln>
           <a:extLst>
             <a:ext uri="{C572A759-6A51-4108-AA02-DFA0A04FC94B}">
-              <ma14:wrappingTextBoxFlag xmlns:ma14="http://schemas.microsoft.com/office/mac/drawingml/2011/main" xmlns:a14="http://schemas.microsoft.com/office/drawing/2010/main" xmlns:m="http://schemas.openxmlformats.org/officeDocument/2006/math" xmlns="" val="1"/>
+              <ma14:wrappingTextBoxFlag xmlns="" xmlns:m="http://schemas.openxmlformats.org/officeDocument/2006/math" xmlns:a14="http://schemas.microsoft.com/office/drawing/2010/main" xmlns:ma14="http://schemas.microsoft.com/office/mac/drawingml/2011/main" val="1"/>
             </a:ext>
           </a:extLst>
         </p:spPr>
@@ -25755,7 +25755,7 @@
           </a:ln>
           <a:extLst>
             <a:ext uri="{C572A759-6A51-4108-AA02-DFA0A04FC94B}">
-              <ma14:wrappingTextBoxFlag xmlns:ma14="http://schemas.microsoft.com/office/mac/drawingml/2011/main" xmlns:a14="http://schemas.microsoft.com/office/drawing/2010/main" xmlns:m="http://schemas.openxmlformats.org/officeDocument/2006/math" xmlns="" val="1"/>
+              <ma14:wrappingTextBoxFlag xmlns="" xmlns:m="http://schemas.openxmlformats.org/officeDocument/2006/math" xmlns:a14="http://schemas.microsoft.com/office/drawing/2010/main" xmlns:ma14="http://schemas.microsoft.com/office/mac/drawingml/2011/main" val="1"/>
             </a:ext>
           </a:extLst>
         </p:spPr>
@@ -25799,7 +25799,7 @@
           </a:ln>
           <a:extLst>
             <a:ext uri="{C572A759-6A51-4108-AA02-DFA0A04FC94B}">
-              <ma14:wrappingTextBoxFlag xmlns:ma14="http://schemas.microsoft.com/office/mac/drawingml/2011/main" xmlns:a14="http://schemas.microsoft.com/office/drawing/2010/main" xmlns:m="http://schemas.openxmlformats.org/officeDocument/2006/math" xmlns="" val="1"/>
+              <ma14:wrappingTextBoxFlag xmlns="" xmlns:m="http://schemas.openxmlformats.org/officeDocument/2006/math" xmlns:a14="http://schemas.microsoft.com/office/drawing/2010/main" xmlns:ma14="http://schemas.microsoft.com/office/mac/drawingml/2011/main" val="1"/>
             </a:ext>
           </a:extLst>
         </p:spPr>
@@ -26309,7 +26309,7 @@
           </a:ln>
           <a:extLst>
             <a:ext uri="{C572A759-6A51-4108-AA02-DFA0A04FC94B}">
-              <ma14:wrappingTextBoxFlag xmlns:ma14="http://schemas.microsoft.com/office/mac/drawingml/2011/main" xmlns:a14="http://schemas.microsoft.com/office/drawing/2010/main" xmlns:m="http://schemas.openxmlformats.org/officeDocument/2006/math" xmlns="" val="1"/>
+              <ma14:wrappingTextBoxFlag xmlns="" xmlns:m="http://schemas.openxmlformats.org/officeDocument/2006/math" xmlns:a14="http://schemas.microsoft.com/office/drawing/2010/main" xmlns:ma14="http://schemas.microsoft.com/office/mac/drawingml/2011/main" val="1"/>
             </a:ext>
           </a:extLst>
         </p:spPr>
@@ -26348,7 +26348,7 @@
           </a:ln>
           <a:extLst>
             <a:ext uri="{C572A759-6A51-4108-AA02-DFA0A04FC94B}">
-              <ma14:wrappingTextBoxFlag xmlns:ma14="http://schemas.microsoft.com/office/mac/drawingml/2011/main" xmlns:a14="http://schemas.microsoft.com/office/drawing/2010/main" xmlns:m="http://schemas.openxmlformats.org/officeDocument/2006/math" xmlns="" val="1"/>
+              <ma14:wrappingTextBoxFlag xmlns="" xmlns:m="http://schemas.openxmlformats.org/officeDocument/2006/math" xmlns:a14="http://schemas.microsoft.com/office/drawing/2010/main" xmlns:ma14="http://schemas.microsoft.com/office/mac/drawingml/2011/main" val="1"/>
             </a:ext>
           </a:extLst>
         </p:spPr>
@@ -26417,7 +26417,7 @@
           </a:ln>
           <a:extLst>
             <a:ext uri="{C572A759-6A51-4108-AA02-DFA0A04FC94B}">
-              <ma14:wrappingTextBoxFlag xmlns:ma14="http://schemas.microsoft.com/office/mac/drawingml/2011/main" xmlns:a14="http://schemas.microsoft.com/office/drawing/2010/main" xmlns:m="http://schemas.openxmlformats.org/officeDocument/2006/math" xmlns="" val="1"/>
+              <ma14:wrappingTextBoxFlag xmlns="" xmlns:m="http://schemas.openxmlformats.org/officeDocument/2006/math" xmlns:a14="http://schemas.microsoft.com/office/drawing/2010/main" xmlns:ma14="http://schemas.microsoft.com/office/mac/drawingml/2011/main" val="1"/>
             </a:ext>
           </a:extLst>
         </p:spPr>
@@ -26611,7 +26611,7 @@
           </a:ln>
           <a:extLst>
             <a:ext uri="{C572A759-6A51-4108-AA02-DFA0A04FC94B}">
-              <ma14:wrappingTextBoxFlag xmlns:ma14="http://schemas.microsoft.com/office/mac/drawingml/2011/main" xmlns:a14="http://schemas.microsoft.com/office/drawing/2010/main" xmlns:m="http://schemas.openxmlformats.org/officeDocument/2006/math" xmlns="" val="1"/>
+              <ma14:wrappingTextBoxFlag xmlns="" xmlns:m="http://schemas.openxmlformats.org/officeDocument/2006/math" xmlns:a14="http://schemas.microsoft.com/office/drawing/2010/main" xmlns:ma14="http://schemas.microsoft.com/office/mac/drawingml/2011/main" val="1"/>
             </a:ext>
           </a:extLst>
         </p:spPr>
@@ -26653,7 +26653,7 @@
           </a:ln>
           <a:extLst>
             <a:ext uri="{C572A759-6A51-4108-AA02-DFA0A04FC94B}">
-              <ma14:wrappingTextBoxFlag xmlns:ma14="http://schemas.microsoft.com/office/mac/drawingml/2011/main" xmlns:a14="http://schemas.microsoft.com/office/drawing/2010/main" xmlns:m="http://schemas.openxmlformats.org/officeDocument/2006/math" xmlns="" val="1"/>
+              <ma14:wrappingTextBoxFlag xmlns="" xmlns:m="http://schemas.openxmlformats.org/officeDocument/2006/math" xmlns:a14="http://schemas.microsoft.com/office/drawing/2010/main" xmlns:ma14="http://schemas.microsoft.com/office/mac/drawingml/2011/main" val="1"/>
             </a:ext>
           </a:extLst>
         </p:spPr>
@@ -26707,7 +26707,7 @@
           </a:ln>
           <a:extLst>
             <a:ext uri="{C572A759-6A51-4108-AA02-DFA0A04FC94B}">
-              <ma14:wrappingTextBoxFlag xmlns:ma14="http://schemas.microsoft.com/office/mac/drawingml/2011/main" xmlns:a14="http://schemas.microsoft.com/office/drawing/2010/main" xmlns:m="http://schemas.openxmlformats.org/officeDocument/2006/math" xmlns="" val="1"/>
+              <ma14:wrappingTextBoxFlag xmlns="" xmlns:m="http://schemas.openxmlformats.org/officeDocument/2006/math" xmlns:a14="http://schemas.microsoft.com/office/drawing/2010/main" xmlns:ma14="http://schemas.microsoft.com/office/mac/drawingml/2011/main" val="1"/>
             </a:ext>
           </a:extLst>
         </p:spPr>
@@ -26749,7 +26749,7 @@
           </a:ln>
           <a:extLst>
             <a:ext uri="{C572A759-6A51-4108-AA02-DFA0A04FC94B}">
-              <ma14:wrappingTextBoxFlag xmlns:ma14="http://schemas.microsoft.com/office/mac/drawingml/2011/main" xmlns:a14="http://schemas.microsoft.com/office/drawing/2010/main" xmlns:m="http://schemas.openxmlformats.org/officeDocument/2006/math" xmlns="" val="1"/>
+              <ma14:wrappingTextBoxFlag xmlns="" xmlns:m="http://schemas.openxmlformats.org/officeDocument/2006/math" xmlns:a14="http://schemas.microsoft.com/office/drawing/2010/main" xmlns:ma14="http://schemas.microsoft.com/office/mac/drawingml/2011/main" val="1"/>
             </a:ext>
           </a:extLst>
         </p:spPr>
@@ -26916,7 +26916,7 @@
           </a:ln>
           <a:extLst>
             <a:ext uri="{C572A759-6A51-4108-AA02-DFA0A04FC94B}">
-              <ma14:wrappingTextBoxFlag xmlns:ma14="http://schemas.microsoft.com/office/mac/drawingml/2011/main" xmlns:a14="http://schemas.microsoft.com/office/drawing/2010/main" xmlns:m="http://schemas.openxmlformats.org/officeDocument/2006/math" xmlns="" val="1"/>
+              <ma14:wrappingTextBoxFlag xmlns="" xmlns:m="http://schemas.openxmlformats.org/officeDocument/2006/math" xmlns:a14="http://schemas.microsoft.com/office/drawing/2010/main" xmlns:ma14="http://schemas.microsoft.com/office/mac/drawingml/2011/main" val="1"/>
             </a:ext>
           </a:extLst>
         </p:spPr>
@@ -26958,7 +26958,7 @@
           </a:ln>
           <a:extLst>
             <a:ext uri="{C572A759-6A51-4108-AA02-DFA0A04FC94B}">
-              <ma14:wrappingTextBoxFlag xmlns:ma14="http://schemas.microsoft.com/office/mac/drawingml/2011/main" xmlns:a14="http://schemas.microsoft.com/office/drawing/2010/main" xmlns:m="http://schemas.openxmlformats.org/officeDocument/2006/math" xmlns="" val="1"/>
+              <ma14:wrappingTextBoxFlag xmlns="" xmlns:m="http://schemas.openxmlformats.org/officeDocument/2006/math" xmlns:a14="http://schemas.microsoft.com/office/drawing/2010/main" xmlns:ma14="http://schemas.microsoft.com/office/mac/drawingml/2011/main" val="1"/>
             </a:ext>
           </a:extLst>
         </p:spPr>
@@ -27012,7 +27012,7 @@
           </a:ln>
           <a:extLst>
             <a:ext uri="{C572A759-6A51-4108-AA02-DFA0A04FC94B}">
-              <ma14:wrappingTextBoxFlag xmlns:ma14="http://schemas.microsoft.com/office/mac/drawingml/2011/main" xmlns:a14="http://schemas.microsoft.com/office/drawing/2010/main" xmlns:m="http://schemas.openxmlformats.org/officeDocument/2006/math" xmlns="" val="1"/>
+              <ma14:wrappingTextBoxFlag xmlns="" xmlns:m="http://schemas.openxmlformats.org/officeDocument/2006/math" xmlns:a14="http://schemas.microsoft.com/office/drawing/2010/main" xmlns:ma14="http://schemas.microsoft.com/office/mac/drawingml/2011/main" val="1"/>
             </a:ext>
           </a:extLst>
         </p:spPr>
@@ -27054,7 +27054,7 @@
           </a:ln>
           <a:extLst>
             <a:ext uri="{C572A759-6A51-4108-AA02-DFA0A04FC94B}">
-              <ma14:wrappingTextBoxFlag xmlns:ma14="http://schemas.microsoft.com/office/mac/drawingml/2011/main" xmlns:a14="http://schemas.microsoft.com/office/drawing/2010/main" xmlns:m="http://schemas.openxmlformats.org/officeDocument/2006/math" xmlns="" val="1"/>
+              <ma14:wrappingTextBoxFlag xmlns="" xmlns:m="http://schemas.openxmlformats.org/officeDocument/2006/math" xmlns:a14="http://schemas.microsoft.com/office/drawing/2010/main" xmlns:ma14="http://schemas.microsoft.com/office/mac/drawingml/2011/main" val="1"/>
             </a:ext>
           </a:extLst>
         </p:spPr>
@@ -27108,7 +27108,7 @@
           </a:ln>
           <a:extLst>
             <a:ext uri="{C572A759-6A51-4108-AA02-DFA0A04FC94B}">
-              <ma14:wrappingTextBoxFlag xmlns:ma14="http://schemas.microsoft.com/office/mac/drawingml/2011/main" xmlns:a14="http://schemas.microsoft.com/office/drawing/2010/main" xmlns:m="http://schemas.openxmlformats.org/officeDocument/2006/math" xmlns="" val="1"/>
+              <ma14:wrappingTextBoxFlag xmlns="" xmlns:m="http://schemas.openxmlformats.org/officeDocument/2006/math" xmlns:a14="http://schemas.microsoft.com/office/drawing/2010/main" xmlns:ma14="http://schemas.microsoft.com/office/mac/drawingml/2011/main" val="1"/>
             </a:ext>
           </a:extLst>
         </p:spPr>
@@ -27339,7 +27339,7 @@
           </a:ln>
           <a:extLst>
             <a:ext uri="{C572A759-6A51-4108-AA02-DFA0A04FC94B}">
-              <ma14:wrappingTextBoxFlag xmlns:ma14="http://schemas.microsoft.com/office/mac/drawingml/2011/main" xmlns:a14="http://schemas.microsoft.com/office/drawing/2010/main" xmlns:m="http://schemas.openxmlformats.org/officeDocument/2006/math" xmlns="" val="1"/>
+              <ma14:wrappingTextBoxFlag xmlns="" xmlns:m="http://schemas.openxmlformats.org/officeDocument/2006/math" xmlns:a14="http://schemas.microsoft.com/office/drawing/2010/main" xmlns:ma14="http://schemas.microsoft.com/office/mac/drawingml/2011/main" val="1"/>
             </a:ext>
           </a:extLst>
         </p:spPr>
@@ -27464,7 +27464,7 @@
           </a:ln>
           <a:extLst>
             <a:ext uri="{C572A759-6A51-4108-AA02-DFA0A04FC94B}">
-              <ma14:wrappingTextBoxFlag xmlns:ma14="http://schemas.microsoft.com/office/mac/drawingml/2011/main" xmlns:a14="http://schemas.microsoft.com/office/drawing/2010/main" xmlns:m="http://schemas.openxmlformats.org/officeDocument/2006/math" xmlns="" val="1"/>
+              <ma14:wrappingTextBoxFlag xmlns="" xmlns:m="http://schemas.openxmlformats.org/officeDocument/2006/math" xmlns:a14="http://schemas.microsoft.com/office/drawing/2010/main" xmlns:ma14="http://schemas.microsoft.com/office/mac/drawingml/2011/main" val="1"/>
             </a:ext>
           </a:extLst>
         </p:spPr>
@@ -27720,7 +27720,7 @@
           </a:ln>
           <a:extLst>
             <a:ext uri="{C572A759-6A51-4108-AA02-DFA0A04FC94B}">
-              <ma14:wrappingTextBoxFlag xmlns:ma14="http://schemas.microsoft.com/office/mac/drawingml/2011/main" xmlns:a14="http://schemas.microsoft.com/office/drawing/2010/main" xmlns:m="http://schemas.openxmlformats.org/officeDocument/2006/math" xmlns="" val="1"/>
+              <ma14:wrappingTextBoxFlag xmlns="" xmlns:m="http://schemas.openxmlformats.org/officeDocument/2006/math" xmlns:a14="http://schemas.microsoft.com/office/drawing/2010/main" xmlns:ma14="http://schemas.microsoft.com/office/mac/drawingml/2011/main" val="1"/>
             </a:ext>
           </a:extLst>
         </p:spPr>
@@ -28117,7 +28117,7 @@
           </a:ln>
           <a:extLst>
             <a:ext uri="{C572A759-6A51-4108-AA02-DFA0A04FC94B}">
-              <ma14:wrappingTextBoxFlag xmlns:ma14="http://schemas.microsoft.com/office/mac/drawingml/2011/main" xmlns:a14="http://schemas.microsoft.com/office/drawing/2010/main" xmlns:m="http://schemas.openxmlformats.org/officeDocument/2006/math" xmlns="" val="1"/>
+              <ma14:wrappingTextBoxFlag xmlns="" xmlns:m="http://schemas.openxmlformats.org/officeDocument/2006/math" xmlns:a14="http://schemas.microsoft.com/office/drawing/2010/main" xmlns:ma14="http://schemas.microsoft.com/office/mac/drawingml/2011/main" val="1"/>
             </a:ext>
           </a:extLst>
         </p:spPr>
@@ -28538,7 +28538,7 @@
           </a:ln>
           <a:extLst>
             <a:ext uri="{C572A759-6A51-4108-AA02-DFA0A04FC94B}">
-              <ma14:wrappingTextBoxFlag xmlns:ma14="http://schemas.microsoft.com/office/mac/drawingml/2011/main" xmlns:a14="http://schemas.microsoft.com/office/drawing/2010/main" xmlns:m="http://schemas.openxmlformats.org/officeDocument/2006/math" xmlns="" val="1"/>
+              <ma14:wrappingTextBoxFlag xmlns="" xmlns:m="http://schemas.openxmlformats.org/officeDocument/2006/math" xmlns:a14="http://schemas.microsoft.com/office/drawing/2010/main" xmlns:ma14="http://schemas.microsoft.com/office/mac/drawingml/2011/main" val="1"/>
             </a:ext>
           </a:extLst>
         </p:spPr>
@@ -28785,7 +28785,7 @@
           </a:ln>
           <a:extLst>
             <a:ext uri="{C572A759-6A51-4108-AA02-DFA0A04FC94B}">
-              <ma14:wrappingTextBoxFlag xmlns:ma14="http://schemas.microsoft.com/office/mac/drawingml/2011/main" xmlns:a14="http://schemas.microsoft.com/office/drawing/2010/main" xmlns:m="http://schemas.openxmlformats.org/officeDocument/2006/math" xmlns="" val="1"/>
+              <ma14:wrappingTextBoxFlag xmlns="" xmlns:m="http://schemas.openxmlformats.org/officeDocument/2006/math" xmlns:a14="http://schemas.microsoft.com/office/drawing/2010/main" xmlns:ma14="http://schemas.microsoft.com/office/mac/drawingml/2011/main" val="1"/>
             </a:ext>
           </a:extLst>
         </p:spPr>
@@ -28908,7 +28908,7 @@
           </a:ln>
           <a:extLst>
             <a:ext uri="{C572A759-6A51-4108-AA02-DFA0A04FC94B}">
-              <ma14:wrappingTextBoxFlag xmlns:ma14="http://schemas.microsoft.com/office/mac/drawingml/2011/main" xmlns:a14="http://schemas.microsoft.com/office/drawing/2010/main" xmlns:m="http://schemas.openxmlformats.org/officeDocument/2006/math" xmlns="" val="1"/>
+              <ma14:wrappingTextBoxFlag xmlns="" xmlns:m="http://schemas.openxmlformats.org/officeDocument/2006/math" xmlns:a14="http://schemas.microsoft.com/office/drawing/2010/main" xmlns:ma14="http://schemas.microsoft.com/office/mac/drawingml/2011/main" val="1"/>
             </a:ext>
           </a:extLst>
         </p:spPr>
@@ -28947,7 +28947,7 @@
           </a:ln>
           <a:extLst>
             <a:ext uri="{C572A759-6A51-4108-AA02-DFA0A04FC94B}">
-              <ma14:wrappingTextBoxFlag xmlns:ma14="http://schemas.microsoft.com/office/mac/drawingml/2011/main" xmlns:a14="http://schemas.microsoft.com/office/drawing/2010/main" xmlns:m="http://schemas.openxmlformats.org/officeDocument/2006/math" xmlns="" val="1"/>
+              <ma14:wrappingTextBoxFlag xmlns="" xmlns:m="http://schemas.openxmlformats.org/officeDocument/2006/math" xmlns:a14="http://schemas.microsoft.com/office/drawing/2010/main" xmlns:ma14="http://schemas.microsoft.com/office/mac/drawingml/2011/main" val="1"/>
             </a:ext>
           </a:extLst>
         </p:spPr>
@@ -28986,7 +28986,7 @@
           </a:ln>
           <a:extLst>
             <a:ext uri="{C572A759-6A51-4108-AA02-DFA0A04FC94B}">
-              <ma14:wrappingTextBoxFlag xmlns:ma14="http://schemas.microsoft.com/office/mac/drawingml/2011/main" xmlns:a14="http://schemas.microsoft.com/office/drawing/2010/main" xmlns:m="http://schemas.openxmlformats.org/officeDocument/2006/math" xmlns="" val="1"/>
+              <ma14:wrappingTextBoxFlag xmlns="" xmlns:m="http://schemas.openxmlformats.org/officeDocument/2006/math" xmlns:a14="http://schemas.microsoft.com/office/drawing/2010/main" xmlns:ma14="http://schemas.microsoft.com/office/mac/drawingml/2011/main" val="1"/>
             </a:ext>
           </a:extLst>
         </p:spPr>
@@ -29109,7 +29109,7 @@
           </a:ln>
           <a:extLst>
             <a:ext uri="{C572A759-6A51-4108-AA02-DFA0A04FC94B}">
-              <ma14:wrappingTextBoxFlag xmlns:ma14="http://schemas.microsoft.com/office/mac/drawingml/2011/main" xmlns:a14="http://schemas.microsoft.com/office/drawing/2010/main" xmlns:m="http://schemas.openxmlformats.org/officeDocument/2006/math" xmlns="" val="1"/>
+              <ma14:wrappingTextBoxFlag xmlns="" xmlns:m="http://schemas.openxmlformats.org/officeDocument/2006/math" xmlns:a14="http://schemas.microsoft.com/office/drawing/2010/main" xmlns:ma14="http://schemas.microsoft.com/office/mac/drawingml/2011/main" val="1"/>
             </a:ext>
           </a:extLst>
         </p:spPr>
@@ -29226,7 +29226,7 @@
           </a:ln>
           <a:extLst>
             <a:ext uri="{C572A759-6A51-4108-AA02-DFA0A04FC94B}">
-              <ma14:wrappingTextBoxFlag xmlns:ma14="http://schemas.microsoft.com/office/mac/drawingml/2011/main" xmlns:a14="http://schemas.microsoft.com/office/drawing/2010/main" xmlns:m="http://schemas.openxmlformats.org/officeDocument/2006/math" xmlns="" val="1"/>
+              <ma14:wrappingTextBoxFlag xmlns="" xmlns:m="http://schemas.openxmlformats.org/officeDocument/2006/math" xmlns:a14="http://schemas.microsoft.com/office/drawing/2010/main" xmlns:ma14="http://schemas.microsoft.com/office/mac/drawingml/2011/main" val="1"/>
             </a:ext>
           </a:extLst>
         </p:spPr>
@@ -29265,7 +29265,7 @@
           </a:ln>
           <a:extLst>
             <a:ext uri="{C572A759-6A51-4108-AA02-DFA0A04FC94B}">
-              <ma14:wrappingTextBoxFlag xmlns:ma14="http://schemas.microsoft.com/office/mac/drawingml/2011/main" xmlns:a14="http://schemas.microsoft.com/office/drawing/2010/main" xmlns:m="http://schemas.openxmlformats.org/officeDocument/2006/math" xmlns="" val="1"/>
+              <ma14:wrappingTextBoxFlag xmlns="" xmlns:m="http://schemas.openxmlformats.org/officeDocument/2006/math" xmlns:a14="http://schemas.microsoft.com/office/drawing/2010/main" xmlns:ma14="http://schemas.microsoft.com/office/mac/drawingml/2011/main" val="1"/>
             </a:ext>
           </a:extLst>
         </p:spPr>
@@ -29304,7 +29304,7 @@
           </a:ln>
           <a:extLst>
             <a:ext uri="{C572A759-6A51-4108-AA02-DFA0A04FC94B}">
-              <ma14:wrappingTextBoxFlag xmlns:ma14="http://schemas.microsoft.com/office/mac/drawingml/2011/main" xmlns:a14="http://schemas.microsoft.com/office/drawing/2010/main" xmlns:m="http://schemas.openxmlformats.org/officeDocument/2006/math" xmlns="" val="1"/>
+              <ma14:wrappingTextBoxFlag xmlns="" xmlns:m="http://schemas.openxmlformats.org/officeDocument/2006/math" xmlns:a14="http://schemas.microsoft.com/office/drawing/2010/main" xmlns:ma14="http://schemas.microsoft.com/office/mac/drawingml/2011/main" val="1"/>
             </a:ext>
           </a:extLst>
         </p:spPr>
@@ -29427,7 +29427,7 @@
           </a:ln>
           <a:extLst>
             <a:ext uri="{C572A759-6A51-4108-AA02-DFA0A04FC94B}">
-              <ma14:wrappingTextBoxFlag xmlns:ma14="http://schemas.microsoft.com/office/mac/drawingml/2011/main" xmlns:a14="http://schemas.microsoft.com/office/drawing/2010/main" xmlns:m="http://schemas.openxmlformats.org/officeDocument/2006/math" xmlns="" val="1"/>
+              <ma14:wrappingTextBoxFlag xmlns="" xmlns:m="http://schemas.openxmlformats.org/officeDocument/2006/math" xmlns:a14="http://schemas.microsoft.com/office/drawing/2010/main" xmlns:ma14="http://schemas.microsoft.com/office/mac/drawingml/2011/main" val="1"/>
             </a:ext>
           </a:extLst>
         </p:spPr>
@@ -29728,7 +29728,7 @@
           </a:ln>
           <a:extLst>
             <a:ext uri="{C572A759-6A51-4108-AA02-DFA0A04FC94B}">
-              <ma14:wrappingTextBoxFlag xmlns:ma14="http://schemas.microsoft.com/office/mac/drawingml/2011/main" xmlns:a14="http://schemas.microsoft.com/office/drawing/2010/main" xmlns:m="http://schemas.openxmlformats.org/officeDocument/2006/math" xmlns="" val="1"/>
+              <ma14:wrappingTextBoxFlag xmlns="" xmlns:m="http://schemas.openxmlformats.org/officeDocument/2006/math" xmlns:a14="http://schemas.microsoft.com/office/drawing/2010/main" xmlns:ma14="http://schemas.microsoft.com/office/mac/drawingml/2011/main" val="1"/>
             </a:ext>
           </a:extLst>
         </p:spPr>
@@ -29845,7 +29845,7 @@
           </a:ln>
           <a:extLst>
             <a:ext uri="{C572A759-6A51-4108-AA02-DFA0A04FC94B}">
-              <ma14:wrappingTextBoxFlag xmlns:ma14="http://schemas.microsoft.com/office/mac/drawingml/2011/main" xmlns:a14="http://schemas.microsoft.com/office/drawing/2010/main" xmlns:m="http://schemas.openxmlformats.org/officeDocument/2006/math" xmlns="" val="1"/>
+              <ma14:wrappingTextBoxFlag xmlns="" xmlns:m="http://schemas.openxmlformats.org/officeDocument/2006/math" xmlns:a14="http://schemas.microsoft.com/office/drawing/2010/main" xmlns:ma14="http://schemas.microsoft.com/office/mac/drawingml/2011/main" val="1"/>
             </a:ext>
           </a:extLst>
         </p:spPr>
@@ -29884,7 +29884,7 @@
           </a:ln>
           <a:extLst>
             <a:ext uri="{C572A759-6A51-4108-AA02-DFA0A04FC94B}">
-              <ma14:wrappingTextBoxFlag xmlns:ma14="http://schemas.microsoft.com/office/mac/drawingml/2011/main" xmlns:a14="http://schemas.microsoft.com/office/drawing/2010/main" xmlns:m="http://schemas.openxmlformats.org/officeDocument/2006/math" xmlns="" val="1"/>
+              <ma14:wrappingTextBoxFlag xmlns="" xmlns:m="http://schemas.openxmlformats.org/officeDocument/2006/math" xmlns:a14="http://schemas.microsoft.com/office/drawing/2010/main" xmlns:ma14="http://schemas.microsoft.com/office/mac/drawingml/2011/main" val="1"/>
             </a:ext>
           </a:extLst>
         </p:spPr>
@@ -29923,7 +29923,7 @@
           </a:ln>
           <a:extLst>
             <a:ext uri="{C572A759-6A51-4108-AA02-DFA0A04FC94B}">
-              <ma14:wrappingTextBoxFlag xmlns:ma14="http://schemas.microsoft.com/office/mac/drawingml/2011/main" xmlns:a14="http://schemas.microsoft.com/office/drawing/2010/main" xmlns:m="http://schemas.openxmlformats.org/officeDocument/2006/math" xmlns="" val="1"/>
+              <ma14:wrappingTextBoxFlag xmlns="" xmlns:m="http://schemas.openxmlformats.org/officeDocument/2006/math" xmlns:a14="http://schemas.microsoft.com/office/drawing/2010/main" xmlns:ma14="http://schemas.microsoft.com/office/mac/drawingml/2011/main" val="1"/>
             </a:ext>
           </a:extLst>
         </p:spPr>
@@ -30051,7 +30051,7 @@
           </a:ln>
           <a:extLst>
             <a:ext uri="{C572A759-6A51-4108-AA02-DFA0A04FC94B}">
-              <ma14:wrappingTextBoxFlag xmlns:ma14="http://schemas.microsoft.com/office/mac/drawingml/2011/main" xmlns:a14="http://schemas.microsoft.com/office/drawing/2010/main" xmlns:m="http://schemas.openxmlformats.org/officeDocument/2006/math" xmlns="" val="1"/>
+              <ma14:wrappingTextBoxFlag xmlns="" xmlns:m="http://schemas.openxmlformats.org/officeDocument/2006/math" xmlns:a14="http://schemas.microsoft.com/office/drawing/2010/main" xmlns:ma14="http://schemas.microsoft.com/office/mac/drawingml/2011/main" val="1"/>
             </a:ext>
           </a:extLst>
         </p:spPr>
@@ -30092,7 +30092,7 @@
           </a:ln>
           <a:extLst>
             <a:ext uri="{C572A759-6A51-4108-AA02-DFA0A04FC94B}">
-              <ma14:wrappingTextBoxFlag xmlns:ma14="http://schemas.microsoft.com/office/mac/drawingml/2011/main" xmlns:a14="http://schemas.microsoft.com/office/drawing/2010/main" xmlns:m="http://schemas.openxmlformats.org/officeDocument/2006/math" xmlns="" val="1"/>
+              <ma14:wrappingTextBoxFlag xmlns="" xmlns:m="http://schemas.openxmlformats.org/officeDocument/2006/math" xmlns:a14="http://schemas.microsoft.com/office/drawing/2010/main" xmlns:ma14="http://schemas.microsoft.com/office/mac/drawingml/2011/main" val="1"/>
             </a:ext>
           </a:extLst>
         </p:spPr>
@@ -30209,7 +30209,7 @@
           </a:ln>
           <a:extLst>
             <a:ext uri="{C572A759-6A51-4108-AA02-DFA0A04FC94B}">
-              <ma14:wrappingTextBoxFlag xmlns:ma14="http://schemas.microsoft.com/office/mac/drawingml/2011/main" xmlns:a14="http://schemas.microsoft.com/office/drawing/2010/main" xmlns:m="http://schemas.openxmlformats.org/officeDocument/2006/math" xmlns="" val="1"/>
+              <ma14:wrappingTextBoxFlag xmlns="" xmlns:m="http://schemas.openxmlformats.org/officeDocument/2006/math" xmlns:a14="http://schemas.microsoft.com/office/drawing/2010/main" xmlns:ma14="http://schemas.microsoft.com/office/mac/drawingml/2011/main" val="1"/>
             </a:ext>
           </a:extLst>
         </p:spPr>
@@ -30248,7 +30248,7 @@
           </a:ln>
           <a:extLst>
             <a:ext uri="{C572A759-6A51-4108-AA02-DFA0A04FC94B}">
-              <ma14:wrappingTextBoxFlag xmlns:ma14="http://schemas.microsoft.com/office/mac/drawingml/2011/main" xmlns:a14="http://schemas.microsoft.com/office/drawing/2010/main" xmlns:m="http://schemas.openxmlformats.org/officeDocument/2006/math" xmlns="" val="1"/>
+              <ma14:wrappingTextBoxFlag xmlns="" xmlns:m="http://schemas.openxmlformats.org/officeDocument/2006/math" xmlns:a14="http://schemas.microsoft.com/office/drawing/2010/main" xmlns:ma14="http://schemas.microsoft.com/office/mac/drawingml/2011/main" val="1"/>
             </a:ext>
           </a:extLst>
         </p:spPr>
@@ -30287,7 +30287,7 @@
           </a:ln>
           <a:extLst>
             <a:ext uri="{C572A759-6A51-4108-AA02-DFA0A04FC94B}">
-              <ma14:wrappingTextBoxFlag xmlns:ma14="http://schemas.microsoft.com/office/mac/drawingml/2011/main" xmlns:a14="http://schemas.microsoft.com/office/drawing/2010/main" xmlns:m="http://schemas.openxmlformats.org/officeDocument/2006/math" xmlns="" val="1"/>
+              <ma14:wrappingTextBoxFlag xmlns="" xmlns:m="http://schemas.openxmlformats.org/officeDocument/2006/math" xmlns:a14="http://schemas.microsoft.com/office/drawing/2010/main" xmlns:ma14="http://schemas.microsoft.com/office/mac/drawingml/2011/main" val="1"/>
             </a:ext>
           </a:extLst>
         </p:spPr>
@@ -30373,7 +30373,7 @@
           </a:ln>
           <a:extLst>
             <a:ext uri="{C572A759-6A51-4108-AA02-DFA0A04FC94B}">
-              <ma14:wrappingTextBoxFlag xmlns:ma14="http://schemas.microsoft.com/office/mac/drawingml/2011/main" xmlns:a14="http://schemas.microsoft.com/office/drawing/2010/main" xmlns:m="http://schemas.openxmlformats.org/officeDocument/2006/math" xmlns="" val="1"/>
+              <ma14:wrappingTextBoxFlag xmlns="" xmlns:m="http://schemas.openxmlformats.org/officeDocument/2006/math" xmlns:a14="http://schemas.microsoft.com/office/drawing/2010/main" xmlns:ma14="http://schemas.microsoft.com/office/mac/drawingml/2011/main" val="1"/>
             </a:ext>
           </a:extLst>
         </p:spPr>
@@ -30418,7 +30418,7 @@
           </a:ln>
           <a:extLst>
             <a:ext uri="{C572A759-6A51-4108-AA02-DFA0A04FC94B}">
-              <ma14:wrappingTextBoxFlag xmlns:ma14="http://schemas.microsoft.com/office/mac/drawingml/2011/main" xmlns:a14="http://schemas.microsoft.com/office/drawing/2010/main" xmlns:m="http://schemas.openxmlformats.org/officeDocument/2006/math" xmlns="" val="1"/>
+              <ma14:wrappingTextBoxFlag xmlns="" xmlns:m="http://schemas.openxmlformats.org/officeDocument/2006/math" xmlns:a14="http://schemas.microsoft.com/office/drawing/2010/main" xmlns:ma14="http://schemas.microsoft.com/office/mac/drawingml/2011/main" val="1"/>
             </a:ext>
           </a:extLst>
         </p:spPr>
@@ -30535,7 +30535,7 @@
           </a:ln>
           <a:extLst>
             <a:ext uri="{C572A759-6A51-4108-AA02-DFA0A04FC94B}">
-              <ma14:wrappingTextBoxFlag xmlns:ma14="http://schemas.microsoft.com/office/mac/drawingml/2011/main" xmlns:a14="http://schemas.microsoft.com/office/drawing/2010/main" xmlns:m="http://schemas.openxmlformats.org/officeDocument/2006/math" xmlns="" val="1"/>
+              <ma14:wrappingTextBoxFlag xmlns="" xmlns:m="http://schemas.openxmlformats.org/officeDocument/2006/math" xmlns:a14="http://schemas.microsoft.com/office/drawing/2010/main" xmlns:ma14="http://schemas.microsoft.com/office/mac/drawingml/2011/main" val="1"/>
             </a:ext>
           </a:extLst>
         </p:spPr>
@@ -30574,7 +30574,7 @@
           </a:ln>
           <a:extLst>
             <a:ext uri="{C572A759-6A51-4108-AA02-DFA0A04FC94B}">
-              <ma14:wrappingTextBoxFlag xmlns:ma14="http://schemas.microsoft.com/office/mac/drawingml/2011/main" xmlns:a14="http://schemas.microsoft.com/office/drawing/2010/main" xmlns:m="http://schemas.openxmlformats.org/officeDocument/2006/math" xmlns="" val="1"/>
+              <ma14:wrappingTextBoxFlag xmlns="" xmlns:m="http://schemas.openxmlformats.org/officeDocument/2006/math" xmlns:a14="http://schemas.microsoft.com/office/drawing/2010/main" xmlns:ma14="http://schemas.microsoft.com/office/mac/drawingml/2011/main" val="1"/>
             </a:ext>
           </a:extLst>
         </p:spPr>
@@ -30613,7 +30613,7 @@
           </a:ln>
           <a:extLst>
             <a:ext uri="{C572A759-6A51-4108-AA02-DFA0A04FC94B}">
-              <ma14:wrappingTextBoxFlag xmlns:ma14="http://schemas.microsoft.com/office/mac/drawingml/2011/main" xmlns:a14="http://schemas.microsoft.com/office/drawing/2010/main" xmlns:m="http://schemas.openxmlformats.org/officeDocument/2006/math" xmlns="" val="1"/>
+              <ma14:wrappingTextBoxFlag xmlns="" xmlns:m="http://schemas.openxmlformats.org/officeDocument/2006/math" xmlns:a14="http://schemas.microsoft.com/office/drawing/2010/main" xmlns:ma14="http://schemas.microsoft.com/office/mac/drawingml/2011/main" val="1"/>
             </a:ext>
           </a:extLst>
         </p:spPr>
@@ -30772,7 +30772,7 @@
           </a:ln>
           <a:extLst>
             <a:ext uri="{C572A759-6A51-4108-AA02-DFA0A04FC94B}">
-              <ma14:wrappingTextBoxFlag xmlns:ma14="http://schemas.microsoft.com/office/mac/drawingml/2011/main" xmlns:a14="http://schemas.microsoft.com/office/drawing/2010/main" xmlns:m="http://schemas.openxmlformats.org/officeDocument/2006/math" xmlns="" val="1"/>
+              <ma14:wrappingTextBoxFlag xmlns="" xmlns:m="http://schemas.openxmlformats.org/officeDocument/2006/math" xmlns:a14="http://schemas.microsoft.com/office/drawing/2010/main" xmlns:ma14="http://schemas.microsoft.com/office/mac/drawingml/2011/main" val="1"/>
             </a:ext>
           </a:extLst>
         </p:spPr>
@@ -30811,7 +30811,7 @@
           </a:ln>
           <a:extLst>
             <a:ext uri="{C572A759-6A51-4108-AA02-DFA0A04FC94B}">
-              <ma14:wrappingTextBoxFlag xmlns:ma14="http://schemas.microsoft.com/office/mac/drawingml/2011/main" xmlns:a14="http://schemas.microsoft.com/office/drawing/2010/main" xmlns:m="http://schemas.openxmlformats.org/officeDocument/2006/math" xmlns="" val="1"/>
+              <ma14:wrappingTextBoxFlag xmlns="" xmlns:m="http://schemas.openxmlformats.org/officeDocument/2006/math" xmlns:a14="http://schemas.microsoft.com/office/drawing/2010/main" xmlns:ma14="http://schemas.microsoft.com/office/mac/drawingml/2011/main" val="1"/>
             </a:ext>
           </a:extLst>
         </p:spPr>
@@ -30850,7 +30850,7 @@
           </a:ln>
           <a:extLst>
             <a:ext uri="{C572A759-6A51-4108-AA02-DFA0A04FC94B}">
-              <ma14:wrappingTextBoxFlag xmlns:ma14="http://schemas.microsoft.com/office/mac/drawingml/2011/main" xmlns:a14="http://schemas.microsoft.com/office/drawing/2010/main" xmlns:m="http://schemas.openxmlformats.org/officeDocument/2006/math" xmlns="" val="1"/>
+              <ma14:wrappingTextBoxFlag xmlns="" xmlns:m="http://schemas.openxmlformats.org/officeDocument/2006/math" xmlns:a14="http://schemas.microsoft.com/office/drawing/2010/main" xmlns:ma14="http://schemas.microsoft.com/office/mac/drawingml/2011/main" val="1"/>
             </a:ext>
           </a:extLst>
         </p:spPr>
@@ -30894,7 +30894,7 @@
           </a:ln>
           <a:extLst>
             <a:ext uri="{C572A759-6A51-4108-AA02-DFA0A04FC94B}">
-              <ma14:wrappingTextBoxFlag xmlns:ma14="http://schemas.microsoft.com/office/mac/drawingml/2011/main" xmlns:a14="http://schemas.microsoft.com/office/drawing/2010/main" xmlns:m="http://schemas.openxmlformats.org/officeDocument/2006/math" xmlns="" val="1"/>
+              <ma14:wrappingTextBoxFlag xmlns="" xmlns:m="http://schemas.openxmlformats.org/officeDocument/2006/math" xmlns:a14="http://schemas.microsoft.com/office/drawing/2010/main" xmlns:ma14="http://schemas.microsoft.com/office/mac/drawingml/2011/main" val="1"/>
             </a:ext>
           </a:extLst>
         </p:spPr>
@@ -31017,7 +31017,7 @@
           </a:ln>
           <a:extLst>
             <a:ext uri="{C572A759-6A51-4108-AA02-DFA0A04FC94B}">
-              <ma14:wrappingTextBoxFlag xmlns:ma14="http://schemas.microsoft.com/office/mac/drawingml/2011/main" xmlns:a14="http://schemas.microsoft.com/office/drawing/2010/main" xmlns:m="http://schemas.openxmlformats.org/officeDocument/2006/math" xmlns="" val="1"/>
+              <ma14:wrappingTextBoxFlag xmlns="" xmlns:m="http://schemas.openxmlformats.org/officeDocument/2006/math" xmlns:a14="http://schemas.microsoft.com/office/drawing/2010/main" xmlns:ma14="http://schemas.microsoft.com/office/mac/drawingml/2011/main" val="1"/>
             </a:ext>
           </a:extLst>
         </p:spPr>
@@ -31056,7 +31056,7 @@
           </a:ln>
           <a:extLst>
             <a:ext uri="{C572A759-6A51-4108-AA02-DFA0A04FC94B}">
-              <ma14:wrappingTextBoxFlag xmlns:ma14="http://schemas.microsoft.com/office/mac/drawingml/2011/main" xmlns:a14="http://schemas.microsoft.com/office/drawing/2010/main" xmlns:m="http://schemas.openxmlformats.org/officeDocument/2006/math" xmlns="" val="1"/>
+              <ma14:wrappingTextBoxFlag xmlns="" xmlns:m="http://schemas.openxmlformats.org/officeDocument/2006/math" xmlns:a14="http://schemas.microsoft.com/office/drawing/2010/main" xmlns:ma14="http://schemas.microsoft.com/office/mac/drawingml/2011/main" val="1"/>
             </a:ext>
           </a:extLst>
         </p:spPr>
@@ -31095,7 +31095,7 @@
           </a:ln>
           <a:extLst>
             <a:ext uri="{C572A759-6A51-4108-AA02-DFA0A04FC94B}">
-              <ma14:wrappingTextBoxFlag xmlns:ma14="http://schemas.microsoft.com/office/mac/drawingml/2011/main" xmlns:a14="http://schemas.microsoft.com/office/drawing/2010/main" xmlns:m="http://schemas.openxmlformats.org/officeDocument/2006/math" xmlns="" val="1"/>
+              <ma14:wrappingTextBoxFlag xmlns="" xmlns:m="http://schemas.openxmlformats.org/officeDocument/2006/math" xmlns:a14="http://schemas.microsoft.com/office/drawing/2010/main" xmlns:ma14="http://schemas.microsoft.com/office/mac/drawingml/2011/main" val="1"/>
             </a:ext>
           </a:extLst>
         </p:spPr>
@@ -31134,7 +31134,7 @@
           </a:ln>
           <a:extLst>
             <a:ext uri="{C572A759-6A51-4108-AA02-DFA0A04FC94B}">
-              <ma14:wrappingTextBoxFlag xmlns:ma14="http://schemas.microsoft.com/office/mac/drawingml/2011/main" xmlns:a14="http://schemas.microsoft.com/office/drawing/2010/main" xmlns:m="http://schemas.openxmlformats.org/officeDocument/2006/math" xmlns="" val="1"/>
+              <ma14:wrappingTextBoxFlag xmlns="" xmlns:m="http://schemas.openxmlformats.org/officeDocument/2006/math" xmlns:a14="http://schemas.microsoft.com/office/drawing/2010/main" xmlns:ma14="http://schemas.microsoft.com/office/mac/drawingml/2011/main" val="1"/>
             </a:ext>
           </a:extLst>
         </p:spPr>
@@ -31212,7 +31212,7 @@
           </a:ln>
           <a:extLst>
             <a:ext uri="{C572A759-6A51-4108-AA02-DFA0A04FC94B}">
-              <ma14:wrappingTextBoxFlag xmlns:ma14="http://schemas.microsoft.com/office/mac/drawingml/2011/main" xmlns:a14="http://schemas.microsoft.com/office/drawing/2010/main" xmlns:m="http://schemas.openxmlformats.org/officeDocument/2006/math" xmlns="" val="1"/>
+              <ma14:wrappingTextBoxFlag xmlns="" xmlns:m="http://schemas.openxmlformats.org/officeDocument/2006/math" xmlns:a14="http://schemas.microsoft.com/office/drawing/2010/main" xmlns:ma14="http://schemas.microsoft.com/office/mac/drawingml/2011/main" val="1"/>
             </a:ext>
           </a:extLst>
         </p:spPr>
@@ -31247,7 +31247,7 @@
           </a:ln>
           <a:extLst>
             <a:ext uri="{C572A759-6A51-4108-AA02-DFA0A04FC94B}">
-              <ma14:wrappingTextBoxFlag xmlns:ma14="http://schemas.microsoft.com/office/mac/drawingml/2011/main" xmlns:a14="http://schemas.microsoft.com/office/drawing/2010/main" xmlns:m="http://schemas.openxmlformats.org/officeDocument/2006/math" xmlns="" val="1"/>
+              <ma14:wrappingTextBoxFlag xmlns="" xmlns:m="http://schemas.openxmlformats.org/officeDocument/2006/math" xmlns:a14="http://schemas.microsoft.com/office/drawing/2010/main" xmlns:ma14="http://schemas.microsoft.com/office/mac/drawingml/2011/main" val="1"/>
             </a:ext>
           </a:extLst>
         </p:spPr>
@@ -31364,7 +31364,7 @@
           </a:ln>
           <a:extLst>
             <a:ext uri="{C572A759-6A51-4108-AA02-DFA0A04FC94B}">
-              <ma14:wrappingTextBoxFlag xmlns:ma14="http://schemas.microsoft.com/office/mac/drawingml/2011/main" xmlns:a14="http://schemas.microsoft.com/office/drawing/2010/main" xmlns:m="http://schemas.openxmlformats.org/officeDocument/2006/math" xmlns="" val="1"/>
+              <ma14:wrappingTextBoxFlag xmlns="" xmlns:m="http://schemas.openxmlformats.org/officeDocument/2006/math" xmlns:a14="http://schemas.microsoft.com/office/drawing/2010/main" xmlns:ma14="http://schemas.microsoft.com/office/mac/drawingml/2011/main" val="1"/>
             </a:ext>
           </a:extLst>
         </p:spPr>
@@ -31403,7 +31403,7 @@
           </a:ln>
           <a:extLst>
             <a:ext uri="{C572A759-6A51-4108-AA02-DFA0A04FC94B}">
-              <ma14:wrappingTextBoxFlag xmlns:ma14="http://schemas.microsoft.com/office/mac/drawingml/2011/main" xmlns:a14="http://schemas.microsoft.com/office/drawing/2010/main" xmlns:m="http://schemas.openxmlformats.org/officeDocument/2006/math" xmlns="" val="1"/>
+              <ma14:wrappingTextBoxFlag xmlns="" xmlns:m="http://schemas.openxmlformats.org/officeDocument/2006/math" xmlns:a14="http://schemas.microsoft.com/office/drawing/2010/main" xmlns:ma14="http://schemas.microsoft.com/office/mac/drawingml/2011/main" val="1"/>
             </a:ext>
           </a:extLst>
         </p:spPr>
@@ -31442,7 +31442,7 @@
           </a:ln>
           <a:extLst>
             <a:ext uri="{C572A759-6A51-4108-AA02-DFA0A04FC94B}">
-              <ma14:wrappingTextBoxFlag xmlns:ma14="http://schemas.microsoft.com/office/mac/drawingml/2011/main" xmlns:a14="http://schemas.microsoft.com/office/drawing/2010/main" xmlns:m="http://schemas.openxmlformats.org/officeDocument/2006/math" xmlns="" val="1"/>
+              <ma14:wrappingTextBoxFlag xmlns="" xmlns:m="http://schemas.openxmlformats.org/officeDocument/2006/math" xmlns:a14="http://schemas.microsoft.com/office/drawing/2010/main" xmlns:ma14="http://schemas.microsoft.com/office/mac/drawingml/2011/main" val="1"/>
             </a:ext>
           </a:extLst>
         </p:spPr>
@@ -31481,7 +31481,7 @@
           </a:ln>
           <a:extLst>
             <a:ext uri="{C572A759-6A51-4108-AA02-DFA0A04FC94B}">
-              <ma14:wrappingTextBoxFlag xmlns:ma14="http://schemas.microsoft.com/office/mac/drawingml/2011/main" xmlns:a14="http://schemas.microsoft.com/office/drawing/2010/main" xmlns:m="http://schemas.openxmlformats.org/officeDocument/2006/math" xmlns="" val="1"/>
+              <ma14:wrappingTextBoxFlag xmlns="" xmlns:m="http://schemas.openxmlformats.org/officeDocument/2006/math" xmlns:a14="http://schemas.microsoft.com/office/drawing/2010/main" xmlns:ma14="http://schemas.microsoft.com/office/mac/drawingml/2011/main" val="1"/>
             </a:ext>
           </a:extLst>
         </p:spPr>
@@ -31546,7 +31546,7 @@
           </a:ln>
           <a:extLst>
             <a:ext uri="{C572A759-6A51-4108-AA02-DFA0A04FC94B}">
-              <ma14:wrappingTextBoxFlag xmlns:ma14="http://schemas.microsoft.com/office/mac/drawingml/2011/main" xmlns:a14="http://schemas.microsoft.com/office/drawing/2010/main" xmlns:m="http://schemas.openxmlformats.org/officeDocument/2006/math" xmlns="" val="1"/>
+              <ma14:wrappingTextBoxFlag xmlns="" xmlns:m="http://schemas.openxmlformats.org/officeDocument/2006/math" xmlns:a14="http://schemas.microsoft.com/office/drawing/2010/main" xmlns:ma14="http://schemas.microsoft.com/office/mac/drawingml/2011/main" val="1"/>
             </a:ext>
           </a:extLst>
         </p:spPr>
@@ -31663,7 +31663,7 @@
           </a:ln>
           <a:extLst>
             <a:ext uri="{C572A759-6A51-4108-AA02-DFA0A04FC94B}">
-              <ma14:wrappingTextBoxFlag xmlns:ma14="http://schemas.microsoft.com/office/mac/drawingml/2011/main" xmlns:a14="http://schemas.microsoft.com/office/drawing/2010/main" xmlns:m="http://schemas.openxmlformats.org/officeDocument/2006/math" xmlns="" val="1"/>
+              <ma14:wrappingTextBoxFlag xmlns="" xmlns:m="http://schemas.openxmlformats.org/officeDocument/2006/math" xmlns:a14="http://schemas.microsoft.com/office/drawing/2010/main" xmlns:ma14="http://schemas.microsoft.com/office/mac/drawingml/2011/main" val="1"/>
             </a:ext>
           </a:extLst>
         </p:spPr>
@@ -31702,7 +31702,7 @@
           </a:ln>
           <a:extLst>
             <a:ext uri="{C572A759-6A51-4108-AA02-DFA0A04FC94B}">
-              <ma14:wrappingTextBoxFlag xmlns:ma14="http://schemas.microsoft.com/office/mac/drawingml/2011/main" xmlns:a14="http://schemas.microsoft.com/office/drawing/2010/main" xmlns:m="http://schemas.openxmlformats.org/officeDocument/2006/math" xmlns="" val="1"/>
+              <ma14:wrappingTextBoxFlag xmlns="" xmlns:m="http://schemas.openxmlformats.org/officeDocument/2006/math" xmlns:a14="http://schemas.microsoft.com/office/drawing/2010/main" xmlns:ma14="http://schemas.microsoft.com/office/mac/drawingml/2011/main" val="1"/>
             </a:ext>
           </a:extLst>
         </p:spPr>
@@ -31741,7 +31741,7 @@
           </a:ln>
           <a:extLst>
             <a:ext uri="{C572A759-6A51-4108-AA02-DFA0A04FC94B}">
-              <ma14:wrappingTextBoxFlag xmlns:ma14="http://schemas.microsoft.com/office/mac/drawingml/2011/main" xmlns:a14="http://schemas.microsoft.com/office/drawing/2010/main" xmlns:m="http://schemas.openxmlformats.org/officeDocument/2006/math" xmlns="" val="1"/>
+              <ma14:wrappingTextBoxFlag xmlns="" xmlns:m="http://schemas.openxmlformats.org/officeDocument/2006/math" xmlns:a14="http://schemas.microsoft.com/office/drawing/2010/main" xmlns:ma14="http://schemas.microsoft.com/office/mac/drawingml/2011/main" val="1"/>
             </a:ext>
           </a:extLst>
         </p:spPr>
@@ -31780,7 +31780,7 @@
           </a:ln>
           <a:extLst>
             <a:ext uri="{C572A759-6A51-4108-AA02-DFA0A04FC94B}">
-              <ma14:wrappingTextBoxFlag xmlns:ma14="http://schemas.microsoft.com/office/mac/drawingml/2011/main" xmlns:a14="http://schemas.microsoft.com/office/drawing/2010/main" xmlns:m="http://schemas.openxmlformats.org/officeDocument/2006/math" xmlns="" val="1"/>
+              <ma14:wrappingTextBoxFlag xmlns="" xmlns:m="http://schemas.openxmlformats.org/officeDocument/2006/math" xmlns:a14="http://schemas.microsoft.com/office/drawing/2010/main" xmlns:ma14="http://schemas.microsoft.com/office/mac/drawingml/2011/main" val="1"/>
             </a:ext>
           </a:extLst>
         </p:spPr>
@@ -31815,7 +31815,7 @@
           </a:ln>
           <a:extLst>
             <a:ext uri="{C572A759-6A51-4108-AA02-DFA0A04FC94B}">
-              <ma14:wrappingTextBoxFlag xmlns:ma14="http://schemas.microsoft.com/office/mac/drawingml/2011/main" xmlns:a14="http://schemas.microsoft.com/office/drawing/2010/main" xmlns:m="http://schemas.openxmlformats.org/officeDocument/2006/math" xmlns="" val="1"/>
+              <ma14:wrappingTextBoxFlag xmlns="" xmlns:m="http://schemas.openxmlformats.org/officeDocument/2006/math" xmlns:a14="http://schemas.microsoft.com/office/drawing/2010/main" xmlns:ma14="http://schemas.microsoft.com/office/mac/drawingml/2011/main" val="1"/>
             </a:ext>
           </a:extLst>
         </p:spPr>
@@ -31962,7 +31962,7 @@
           </a:ln>
           <a:extLst>
             <a:ext uri="{C572A759-6A51-4108-AA02-DFA0A04FC94B}">
-              <ma14:wrappingTextBoxFlag xmlns:ma14="http://schemas.microsoft.com/office/mac/drawingml/2011/main" xmlns:a14="http://schemas.microsoft.com/office/drawing/2010/main" xmlns:m="http://schemas.openxmlformats.org/officeDocument/2006/math" xmlns="" val="1"/>
+              <ma14:wrappingTextBoxFlag xmlns="" xmlns:m="http://schemas.openxmlformats.org/officeDocument/2006/math" xmlns:a14="http://schemas.microsoft.com/office/drawing/2010/main" xmlns:ma14="http://schemas.microsoft.com/office/mac/drawingml/2011/main" val="1"/>
             </a:ext>
           </a:extLst>
         </p:spPr>
@@ -32001,7 +32001,7 @@
           </a:ln>
           <a:extLst>
             <a:ext uri="{C572A759-6A51-4108-AA02-DFA0A04FC94B}">
-              <ma14:wrappingTextBoxFlag xmlns:ma14="http://schemas.microsoft.com/office/mac/drawingml/2011/main" xmlns:a14="http://schemas.microsoft.com/office/drawing/2010/main" xmlns:m="http://schemas.openxmlformats.org/officeDocument/2006/math" xmlns="" val="1"/>
+              <ma14:wrappingTextBoxFlag xmlns="" xmlns:m="http://schemas.openxmlformats.org/officeDocument/2006/math" xmlns:a14="http://schemas.microsoft.com/office/drawing/2010/main" xmlns:ma14="http://schemas.microsoft.com/office/mac/drawingml/2011/main" val="1"/>
             </a:ext>
           </a:extLst>
         </p:spPr>
@@ -32040,7 +32040,7 @@
           </a:ln>
           <a:extLst>
             <a:ext uri="{C572A759-6A51-4108-AA02-DFA0A04FC94B}">
-              <ma14:wrappingTextBoxFlag xmlns:ma14="http://schemas.microsoft.com/office/mac/drawingml/2011/main" xmlns:a14="http://schemas.microsoft.com/office/drawing/2010/main" xmlns:m="http://schemas.openxmlformats.org/officeDocument/2006/math" xmlns="" val="1"/>
+              <ma14:wrappingTextBoxFlag xmlns="" xmlns:m="http://schemas.openxmlformats.org/officeDocument/2006/math" xmlns:a14="http://schemas.microsoft.com/office/drawing/2010/main" xmlns:ma14="http://schemas.microsoft.com/office/mac/drawingml/2011/main" val="1"/>
             </a:ext>
           </a:extLst>
         </p:spPr>
@@ -32079,7 +32079,7 @@
           </a:ln>
           <a:extLst>
             <a:ext uri="{C572A759-6A51-4108-AA02-DFA0A04FC94B}">
-              <ma14:wrappingTextBoxFlag xmlns:ma14="http://schemas.microsoft.com/office/mac/drawingml/2011/main" xmlns:a14="http://schemas.microsoft.com/office/drawing/2010/main" xmlns:m="http://schemas.openxmlformats.org/officeDocument/2006/math" xmlns="" val="1"/>
+              <ma14:wrappingTextBoxFlag xmlns="" xmlns:m="http://schemas.openxmlformats.org/officeDocument/2006/math" xmlns:a14="http://schemas.microsoft.com/office/drawing/2010/main" xmlns:ma14="http://schemas.microsoft.com/office/mac/drawingml/2011/main" val="1"/>
             </a:ext>
           </a:extLst>
         </p:spPr>
@@ -32114,7 +32114,7 @@
           </a:ln>
           <a:extLst>
             <a:ext uri="{C572A759-6A51-4108-AA02-DFA0A04FC94B}">
-              <ma14:wrappingTextBoxFlag xmlns:ma14="http://schemas.microsoft.com/office/mac/drawingml/2011/main" xmlns:a14="http://schemas.microsoft.com/office/drawing/2010/main" xmlns:m="http://schemas.openxmlformats.org/officeDocument/2006/math" xmlns="" val="1"/>
+              <ma14:wrappingTextBoxFlag xmlns="" xmlns:m="http://schemas.openxmlformats.org/officeDocument/2006/math" xmlns:a14="http://schemas.microsoft.com/office/drawing/2010/main" xmlns:ma14="http://schemas.microsoft.com/office/mac/drawingml/2011/main" val="1"/>
             </a:ext>
           </a:extLst>
         </p:spPr>
@@ -32261,7 +32261,7 @@
           </a:ln>
           <a:extLst>
             <a:ext uri="{C572A759-6A51-4108-AA02-DFA0A04FC94B}">
-              <ma14:wrappingTextBoxFlag xmlns:ma14="http://schemas.microsoft.com/office/mac/drawingml/2011/main" xmlns:a14="http://schemas.microsoft.com/office/drawing/2010/main" xmlns:m="http://schemas.openxmlformats.org/officeDocument/2006/math" xmlns="" val="1"/>
+              <ma14:wrappingTextBoxFlag xmlns="" xmlns:m="http://schemas.openxmlformats.org/officeDocument/2006/math" xmlns:a14="http://schemas.microsoft.com/office/drawing/2010/main" xmlns:ma14="http://schemas.microsoft.com/office/mac/drawingml/2011/main" val="1"/>
             </a:ext>
           </a:extLst>
         </p:spPr>
@@ -32300,7 +32300,7 @@
           </a:ln>
           <a:extLst>
             <a:ext uri="{C572A759-6A51-4108-AA02-DFA0A04FC94B}">
-              <ma14:wrappingTextBoxFlag xmlns:ma14="http://schemas.microsoft.com/office/mac/drawingml/2011/main" xmlns:a14="http://schemas.microsoft.com/office/drawing/2010/main" xmlns:m="http://schemas.openxmlformats.org/officeDocument/2006/math" xmlns="" val="1"/>
+              <ma14:wrappingTextBoxFlag xmlns="" xmlns:m="http://schemas.openxmlformats.org/officeDocument/2006/math" xmlns:a14="http://schemas.microsoft.com/office/drawing/2010/main" xmlns:ma14="http://schemas.microsoft.com/office/mac/drawingml/2011/main" val="1"/>
             </a:ext>
           </a:extLst>
         </p:spPr>
@@ -32339,7 +32339,7 @@
           </a:ln>
           <a:extLst>
             <a:ext uri="{C572A759-6A51-4108-AA02-DFA0A04FC94B}">
-              <ma14:wrappingTextBoxFlag xmlns:ma14="http://schemas.microsoft.com/office/mac/drawingml/2011/main" xmlns:a14="http://schemas.microsoft.com/office/drawing/2010/main" xmlns:m="http://schemas.openxmlformats.org/officeDocument/2006/math" xmlns="" val="1"/>
+              <ma14:wrappingTextBoxFlag xmlns="" xmlns:m="http://schemas.openxmlformats.org/officeDocument/2006/math" xmlns:a14="http://schemas.microsoft.com/office/drawing/2010/main" xmlns:ma14="http://schemas.microsoft.com/office/mac/drawingml/2011/main" val="1"/>
             </a:ext>
           </a:extLst>
         </p:spPr>
@@ -32467,7 +32467,7 @@
           </a:ln>
           <a:extLst>
             <a:ext uri="{C572A759-6A51-4108-AA02-DFA0A04FC94B}">
-              <ma14:wrappingTextBoxFlag xmlns:ma14="http://schemas.microsoft.com/office/mac/drawingml/2011/main" xmlns:a14="http://schemas.microsoft.com/office/drawing/2010/main" xmlns:m="http://schemas.openxmlformats.org/officeDocument/2006/math" xmlns="" val="1"/>
+              <ma14:wrappingTextBoxFlag xmlns="" xmlns:m="http://schemas.openxmlformats.org/officeDocument/2006/math" xmlns:a14="http://schemas.microsoft.com/office/drawing/2010/main" xmlns:ma14="http://schemas.microsoft.com/office/mac/drawingml/2011/main" val="1"/>
             </a:ext>
           </a:extLst>
         </p:spPr>
@@ -32508,7 +32508,7 @@
           </a:ln>
           <a:extLst>
             <a:ext uri="{C572A759-6A51-4108-AA02-DFA0A04FC94B}">
-              <ma14:wrappingTextBoxFlag xmlns:ma14="http://schemas.microsoft.com/office/mac/drawingml/2011/main" xmlns:a14="http://schemas.microsoft.com/office/drawing/2010/main" xmlns:m="http://schemas.openxmlformats.org/officeDocument/2006/math" xmlns="" val="1"/>
+              <ma14:wrappingTextBoxFlag xmlns="" xmlns:m="http://schemas.openxmlformats.org/officeDocument/2006/math" xmlns:a14="http://schemas.microsoft.com/office/drawing/2010/main" xmlns:ma14="http://schemas.microsoft.com/office/mac/drawingml/2011/main" val="1"/>
             </a:ext>
           </a:extLst>
         </p:spPr>
@@ -32547,7 +32547,7 @@
           </a:ln>
           <a:extLst>
             <a:ext uri="{C572A759-6A51-4108-AA02-DFA0A04FC94B}">
-              <ma14:wrappingTextBoxFlag xmlns:ma14="http://schemas.microsoft.com/office/mac/drawingml/2011/main" xmlns:a14="http://schemas.microsoft.com/office/drawing/2010/main" xmlns:m="http://schemas.openxmlformats.org/officeDocument/2006/math" xmlns="" val="1"/>
+              <ma14:wrappingTextBoxFlag xmlns="" xmlns:m="http://schemas.openxmlformats.org/officeDocument/2006/math" xmlns:a14="http://schemas.microsoft.com/office/drawing/2010/main" xmlns:ma14="http://schemas.microsoft.com/office/mac/drawingml/2011/main" val="1"/>
             </a:ext>
           </a:extLst>
         </p:spPr>
@@ -32582,7 +32582,7 @@
           </a:ln>
           <a:extLst>
             <a:ext uri="{C572A759-6A51-4108-AA02-DFA0A04FC94B}">
-              <ma14:wrappingTextBoxFlag xmlns:ma14="http://schemas.microsoft.com/office/mac/drawingml/2011/main" xmlns:a14="http://schemas.microsoft.com/office/drawing/2010/main" xmlns:m="http://schemas.openxmlformats.org/officeDocument/2006/math" xmlns="" val="1"/>
+              <ma14:wrappingTextBoxFlag xmlns="" xmlns:m="http://schemas.openxmlformats.org/officeDocument/2006/math" xmlns:a14="http://schemas.microsoft.com/office/drawing/2010/main" xmlns:ma14="http://schemas.microsoft.com/office/mac/drawingml/2011/main" val="1"/>
             </a:ext>
           </a:extLst>
         </p:spPr>
@@ -32617,7 +32617,7 @@
           </a:ln>
           <a:extLst>
             <a:ext uri="{C572A759-6A51-4108-AA02-DFA0A04FC94B}">
-              <ma14:wrappingTextBoxFlag xmlns:ma14="http://schemas.microsoft.com/office/mac/drawingml/2011/main" xmlns:a14="http://schemas.microsoft.com/office/drawing/2010/main" xmlns:m="http://schemas.openxmlformats.org/officeDocument/2006/math" xmlns="" val="1"/>
+              <ma14:wrappingTextBoxFlag xmlns="" xmlns:m="http://schemas.openxmlformats.org/officeDocument/2006/math" xmlns:a14="http://schemas.microsoft.com/office/drawing/2010/main" xmlns:ma14="http://schemas.microsoft.com/office/mac/drawingml/2011/main" val="1"/>
             </a:ext>
           </a:extLst>
         </p:spPr>
@@ -32853,7 +32853,7 @@
           </a:ln>
           <a:extLst>
             <a:ext uri="{C572A759-6A51-4108-AA02-DFA0A04FC94B}">
-              <ma14:wrappingTextBoxFlag xmlns:ma14="http://schemas.microsoft.com/office/mac/drawingml/2011/main" xmlns:a14="http://schemas.microsoft.com/office/drawing/2010/main" xmlns:m="http://schemas.openxmlformats.org/officeDocument/2006/math" xmlns="" val="1"/>
+              <ma14:wrappingTextBoxFlag xmlns="" xmlns:m="http://schemas.openxmlformats.org/officeDocument/2006/math" xmlns:a14="http://schemas.microsoft.com/office/drawing/2010/main" xmlns:ma14="http://schemas.microsoft.com/office/mac/drawingml/2011/main" val="1"/>
             </a:ext>
           </a:extLst>
         </p:spPr>
@@ -32923,7 +32923,7 @@
           </a:ln>
           <a:extLst>
             <a:ext uri="{C572A759-6A51-4108-AA02-DFA0A04FC94B}">
-              <ma14:wrappingTextBoxFlag xmlns:ma14="http://schemas.microsoft.com/office/mac/drawingml/2011/main" xmlns:a14="http://schemas.microsoft.com/office/drawing/2010/main" xmlns:m="http://schemas.openxmlformats.org/officeDocument/2006/math" xmlns="" val="1"/>
+              <ma14:wrappingTextBoxFlag xmlns="" xmlns:m="http://schemas.openxmlformats.org/officeDocument/2006/math" xmlns:a14="http://schemas.microsoft.com/office/drawing/2010/main" xmlns:ma14="http://schemas.microsoft.com/office/mac/drawingml/2011/main" val="1"/>
             </a:ext>
           </a:extLst>
         </p:spPr>
@@ -32958,7 +32958,7 @@
           </a:ln>
           <a:extLst>
             <a:ext uri="{C572A759-6A51-4108-AA02-DFA0A04FC94B}">
-              <ma14:wrappingTextBoxFlag xmlns:ma14="http://schemas.microsoft.com/office/mac/drawingml/2011/main" xmlns:a14="http://schemas.microsoft.com/office/drawing/2010/main" xmlns:m="http://schemas.openxmlformats.org/officeDocument/2006/math" xmlns="" val="1"/>
+              <ma14:wrappingTextBoxFlag xmlns="" xmlns:m="http://schemas.openxmlformats.org/officeDocument/2006/math" xmlns:a14="http://schemas.microsoft.com/office/drawing/2010/main" xmlns:ma14="http://schemas.microsoft.com/office/mac/drawingml/2011/main" val="1"/>
             </a:ext>
           </a:extLst>
         </p:spPr>
@@ -32997,7 +32997,7 @@
           </a:ln>
           <a:extLst>
             <a:ext uri="{C572A759-6A51-4108-AA02-DFA0A04FC94B}">
-              <ma14:wrappingTextBoxFlag xmlns:ma14="http://schemas.microsoft.com/office/mac/drawingml/2011/main" xmlns:a14="http://schemas.microsoft.com/office/drawing/2010/main" xmlns:m="http://schemas.openxmlformats.org/officeDocument/2006/math" xmlns="" val="1"/>
+              <ma14:wrappingTextBoxFlag xmlns="" xmlns:m="http://schemas.openxmlformats.org/officeDocument/2006/math" xmlns:a14="http://schemas.microsoft.com/office/drawing/2010/main" xmlns:ma14="http://schemas.microsoft.com/office/mac/drawingml/2011/main" val="1"/>
             </a:ext>
           </a:extLst>
         </p:spPr>
@@ -33124,11 +33124,6 @@
               <a:rPr dirty="0"/>
               <a:t>Learning Objectives</a:t>
             </a:r>
-            <a:r>
-              <a:rPr lang="en-US" dirty="0"/>
-              <a:t> Today</a:t>
-            </a:r>
-            <a:endParaRPr dirty="0"/>
           </a:p>
         </p:txBody>
       </p:sp>
@@ -33271,7 +33266,7 @@
           </a:ln>
           <a:extLst>
             <a:ext uri="{C572A759-6A51-4108-AA02-DFA0A04FC94B}">
-              <ma14:wrappingTextBoxFlag xmlns:ma14="http://schemas.microsoft.com/office/mac/drawingml/2011/main" xmlns:a14="http://schemas.microsoft.com/office/drawing/2010/main" xmlns:m="http://schemas.openxmlformats.org/officeDocument/2006/math" xmlns="" val="1"/>
+              <ma14:wrappingTextBoxFlag xmlns="" xmlns:m="http://schemas.openxmlformats.org/officeDocument/2006/math" xmlns:a14="http://schemas.microsoft.com/office/drawing/2010/main" xmlns:ma14="http://schemas.microsoft.com/office/mac/drawingml/2011/main" val="1"/>
             </a:ext>
           </a:extLst>
         </p:spPr>
@@ -33333,7 +33328,7 @@
           </a:ln>
           <a:extLst>
             <a:ext uri="{C572A759-6A51-4108-AA02-DFA0A04FC94B}">
-              <ma14:wrappingTextBoxFlag xmlns:ma14="http://schemas.microsoft.com/office/mac/drawingml/2011/main" xmlns:a14="http://schemas.microsoft.com/office/drawing/2010/main" xmlns:m="http://schemas.openxmlformats.org/officeDocument/2006/math" xmlns="" val="1"/>
+              <ma14:wrappingTextBoxFlag xmlns="" xmlns:m="http://schemas.openxmlformats.org/officeDocument/2006/math" xmlns:a14="http://schemas.microsoft.com/office/drawing/2010/main" xmlns:ma14="http://schemas.microsoft.com/office/mac/drawingml/2011/main" val="1"/>
             </a:ext>
           </a:extLst>
         </p:spPr>
@@ -33372,7 +33367,7 @@
           </a:ln>
           <a:extLst>
             <a:ext uri="{C572A759-6A51-4108-AA02-DFA0A04FC94B}">
-              <ma14:wrappingTextBoxFlag xmlns:ma14="http://schemas.microsoft.com/office/mac/drawingml/2011/main" xmlns:a14="http://schemas.microsoft.com/office/drawing/2010/main" xmlns:m="http://schemas.openxmlformats.org/officeDocument/2006/math" xmlns="" val="1"/>
+              <ma14:wrappingTextBoxFlag xmlns="" xmlns:m="http://schemas.openxmlformats.org/officeDocument/2006/math" xmlns:a14="http://schemas.microsoft.com/office/drawing/2010/main" xmlns:ma14="http://schemas.microsoft.com/office/mac/drawingml/2011/main" val="1"/>
             </a:ext>
           </a:extLst>
         </p:spPr>
@@ -33407,7 +33402,7 @@
           </a:ln>
           <a:extLst>
             <a:ext uri="{C572A759-6A51-4108-AA02-DFA0A04FC94B}">
-              <ma14:wrappingTextBoxFlag xmlns:ma14="http://schemas.microsoft.com/office/mac/drawingml/2011/main" xmlns:a14="http://schemas.microsoft.com/office/drawing/2010/main" xmlns:m="http://schemas.openxmlformats.org/officeDocument/2006/math" xmlns="" val="1"/>
+              <ma14:wrappingTextBoxFlag xmlns="" xmlns:m="http://schemas.openxmlformats.org/officeDocument/2006/math" xmlns:a14="http://schemas.microsoft.com/office/drawing/2010/main" xmlns:ma14="http://schemas.microsoft.com/office/mac/drawingml/2011/main" val="1"/>
             </a:ext>
           </a:extLst>
         </p:spPr>
@@ -33519,7 +33514,7 @@
           </a:ln>
           <a:extLst>
             <a:ext uri="{C572A759-6A51-4108-AA02-DFA0A04FC94B}">
-              <ma14:wrappingTextBoxFlag xmlns:ma14="http://schemas.microsoft.com/office/mac/drawingml/2011/main" xmlns:a14="http://schemas.microsoft.com/office/drawing/2010/main" xmlns:m="http://schemas.openxmlformats.org/officeDocument/2006/math" xmlns="" val="1"/>
+              <ma14:wrappingTextBoxFlag xmlns="" xmlns:m="http://schemas.openxmlformats.org/officeDocument/2006/math" xmlns:a14="http://schemas.microsoft.com/office/drawing/2010/main" xmlns:ma14="http://schemas.microsoft.com/office/mac/drawingml/2011/main" val="1"/>
             </a:ext>
           </a:extLst>
         </p:spPr>
@@ -33706,7 +33701,7 @@
           </a:ln>
           <a:extLst>
             <a:ext uri="{C572A759-6A51-4108-AA02-DFA0A04FC94B}">
-              <ma14:wrappingTextBoxFlag xmlns:ma14="http://schemas.microsoft.com/office/mac/drawingml/2011/main" xmlns:a14="http://schemas.microsoft.com/office/drawing/2010/main" xmlns:m="http://schemas.openxmlformats.org/officeDocument/2006/math" xmlns="" val="1"/>
+              <ma14:wrappingTextBoxFlag xmlns="" xmlns:m="http://schemas.openxmlformats.org/officeDocument/2006/math" xmlns:a14="http://schemas.microsoft.com/office/drawing/2010/main" xmlns:ma14="http://schemas.microsoft.com/office/mac/drawingml/2011/main" val="1"/>
             </a:ext>
           </a:extLst>
         </p:spPr>
@@ -33776,7 +33771,7 @@
           </a:ln>
           <a:extLst>
             <a:ext uri="{C572A759-6A51-4108-AA02-DFA0A04FC94B}">
-              <ma14:wrappingTextBoxFlag xmlns:ma14="http://schemas.microsoft.com/office/mac/drawingml/2011/main" xmlns:a14="http://schemas.microsoft.com/office/drawing/2010/main" xmlns:m="http://schemas.openxmlformats.org/officeDocument/2006/math" xmlns="" val="1"/>
+              <ma14:wrappingTextBoxFlag xmlns="" xmlns:m="http://schemas.openxmlformats.org/officeDocument/2006/math" xmlns:a14="http://schemas.microsoft.com/office/drawing/2010/main" xmlns:ma14="http://schemas.microsoft.com/office/mac/drawingml/2011/main" val="1"/>
             </a:ext>
           </a:extLst>
         </p:spPr>
@@ -33815,7 +33810,7 @@
           </a:ln>
           <a:extLst>
             <a:ext uri="{C572A759-6A51-4108-AA02-DFA0A04FC94B}">
-              <ma14:wrappingTextBoxFlag xmlns:ma14="http://schemas.microsoft.com/office/mac/drawingml/2011/main" xmlns:a14="http://schemas.microsoft.com/office/drawing/2010/main" xmlns:m="http://schemas.openxmlformats.org/officeDocument/2006/math" xmlns="" val="1"/>
+              <ma14:wrappingTextBoxFlag xmlns="" xmlns:m="http://schemas.openxmlformats.org/officeDocument/2006/math" xmlns:a14="http://schemas.microsoft.com/office/drawing/2010/main" xmlns:ma14="http://schemas.microsoft.com/office/mac/drawingml/2011/main" val="1"/>
             </a:ext>
           </a:extLst>
         </p:spPr>
@@ -33850,7 +33845,7 @@
           </a:ln>
           <a:extLst>
             <a:ext uri="{C572A759-6A51-4108-AA02-DFA0A04FC94B}">
-              <ma14:wrappingTextBoxFlag xmlns:ma14="http://schemas.microsoft.com/office/mac/drawingml/2011/main" xmlns:a14="http://schemas.microsoft.com/office/drawing/2010/main" xmlns:m="http://schemas.openxmlformats.org/officeDocument/2006/math" xmlns="" val="1"/>
+              <ma14:wrappingTextBoxFlag xmlns="" xmlns:m="http://schemas.openxmlformats.org/officeDocument/2006/math" xmlns:a14="http://schemas.microsoft.com/office/drawing/2010/main" xmlns:ma14="http://schemas.microsoft.com/office/mac/drawingml/2011/main" val="1"/>
             </a:ext>
           </a:extLst>
         </p:spPr>
@@ -34070,7 +34065,7 @@
           </a:ln>
           <a:extLst>
             <a:ext uri="{C572A759-6A51-4108-AA02-DFA0A04FC94B}">
-              <ma14:wrappingTextBoxFlag xmlns:ma14="http://schemas.microsoft.com/office/mac/drawingml/2011/main" xmlns:a14="http://schemas.microsoft.com/office/drawing/2010/main" xmlns:m="http://schemas.openxmlformats.org/officeDocument/2006/math" xmlns="" val="1"/>
+              <ma14:wrappingTextBoxFlag xmlns="" xmlns:m="http://schemas.openxmlformats.org/officeDocument/2006/math" xmlns:a14="http://schemas.microsoft.com/office/drawing/2010/main" xmlns:ma14="http://schemas.microsoft.com/office/mac/drawingml/2011/main" val="1"/>
             </a:ext>
           </a:extLst>
         </p:spPr>
@@ -34140,7 +34135,7 @@
           </a:ln>
           <a:extLst>
             <a:ext uri="{C572A759-6A51-4108-AA02-DFA0A04FC94B}">
-              <ma14:wrappingTextBoxFlag xmlns:ma14="http://schemas.microsoft.com/office/mac/drawingml/2011/main" xmlns:a14="http://schemas.microsoft.com/office/drawing/2010/main" xmlns:m="http://schemas.openxmlformats.org/officeDocument/2006/math" xmlns="" val="1"/>
+              <ma14:wrappingTextBoxFlag xmlns="" xmlns:m="http://schemas.openxmlformats.org/officeDocument/2006/math" xmlns:a14="http://schemas.microsoft.com/office/drawing/2010/main" xmlns:ma14="http://schemas.microsoft.com/office/mac/drawingml/2011/main" val="1"/>
             </a:ext>
           </a:extLst>
         </p:spPr>
@@ -34179,7 +34174,7 @@
           </a:ln>
           <a:extLst>
             <a:ext uri="{C572A759-6A51-4108-AA02-DFA0A04FC94B}">
-              <ma14:wrappingTextBoxFlag xmlns:ma14="http://schemas.microsoft.com/office/mac/drawingml/2011/main" xmlns:a14="http://schemas.microsoft.com/office/drawing/2010/main" xmlns:m="http://schemas.openxmlformats.org/officeDocument/2006/math" xmlns="" val="1"/>
+              <ma14:wrappingTextBoxFlag xmlns="" xmlns:m="http://schemas.openxmlformats.org/officeDocument/2006/math" xmlns:a14="http://schemas.microsoft.com/office/drawing/2010/main" xmlns:ma14="http://schemas.microsoft.com/office/mac/drawingml/2011/main" val="1"/>
             </a:ext>
           </a:extLst>
         </p:spPr>
@@ -34214,7 +34209,7 @@
           </a:ln>
           <a:extLst>
             <a:ext uri="{C572A759-6A51-4108-AA02-DFA0A04FC94B}">
-              <ma14:wrappingTextBoxFlag xmlns:ma14="http://schemas.microsoft.com/office/mac/drawingml/2011/main" xmlns:a14="http://schemas.microsoft.com/office/drawing/2010/main" xmlns:m="http://schemas.openxmlformats.org/officeDocument/2006/math" xmlns="" val="1"/>
+              <ma14:wrappingTextBoxFlag xmlns="" xmlns:m="http://schemas.openxmlformats.org/officeDocument/2006/math" xmlns:a14="http://schemas.microsoft.com/office/drawing/2010/main" xmlns:ma14="http://schemas.microsoft.com/office/mac/drawingml/2011/main" val="1"/>
             </a:ext>
           </a:extLst>
         </p:spPr>
@@ -34296,7 +34291,7 @@
           </a:ln>
           <a:extLst>
             <a:ext uri="{C572A759-6A51-4108-AA02-DFA0A04FC94B}">
-              <ma14:wrappingTextBoxFlag xmlns:ma14="http://schemas.microsoft.com/office/mac/drawingml/2011/main" xmlns:a14="http://schemas.microsoft.com/office/drawing/2010/main" xmlns:m="http://schemas.openxmlformats.org/officeDocument/2006/math" xmlns="" val="1"/>
+              <ma14:wrappingTextBoxFlag xmlns="" xmlns:m="http://schemas.openxmlformats.org/officeDocument/2006/math" xmlns:a14="http://schemas.microsoft.com/office/drawing/2010/main" xmlns:ma14="http://schemas.microsoft.com/office/mac/drawingml/2011/main" val="1"/>
             </a:ext>
           </a:extLst>
         </p:spPr>
@@ -34436,7 +34431,7 @@
           </a:ln>
           <a:extLst>
             <a:ext uri="{C572A759-6A51-4108-AA02-DFA0A04FC94B}">
-              <ma14:wrappingTextBoxFlag xmlns:ma14="http://schemas.microsoft.com/office/mac/drawingml/2011/main" xmlns:a14="http://schemas.microsoft.com/office/drawing/2010/main" xmlns:m="http://schemas.openxmlformats.org/officeDocument/2006/math" xmlns="" val="1"/>
+              <ma14:wrappingTextBoxFlag xmlns="" xmlns:m="http://schemas.openxmlformats.org/officeDocument/2006/math" xmlns:a14="http://schemas.microsoft.com/office/drawing/2010/main" xmlns:ma14="http://schemas.microsoft.com/office/mac/drawingml/2011/main" val="1"/>
             </a:ext>
           </a:extLst>
         </p:spPr>
@@ -34506,7 +34501,7 @@
           </a:ln>
           <a:extLst>
             <a:ext uri="{C572A759-6A51-4108-AA02-DFA0A04FC94B}">
-              <ma14:wrappingTextBoxFlag xmlns:ma14="http://schemas.microsoft.com/office/mac/drawingml/2011/main" xmlns:a14="http://schemas.microsoft.com/office/drawing/2010/main" xmlns:m="http://schemas.openxmlformats.org/officeDocument/2006/math" xmlns="" val="1"/>
+              <ma14:wrappingTextBoxFlag xmlns="" xmlns:m="http://schemas.openxmlformats.org/officeDocument/2006/math" xmlns:a14="http://schemas.microsoft.com/office/drawing/2010/main" xmlns:ma14="http://schemas.microsoft.com/office/mac/drawingml/2011/main" val="1"/>
             </a:ext>
           </a:extLst>
         </p:spPr>
@@ -34545,7 +34540,7 @@
           </a:ln>
           <a:extLst>
             <a:ext uri="{C572A759-6A51-4108-AA02-DFA0A04FC94B}">
-              <ma14:wrappingTextBoxFlag xmlns:ma14="http://schemas.microsoft.com/office/mac/drawingml/2011/main" xmlns:a14="http://schemas.microsoft.com/office/drawing/2010/main" xmlns:m="http://schemas.openxmlformats.org/officeDocument/2006/math" xmlns="" val="1"/>
+              <ma14:wrappingTextBoxFlag xmlns="" xmlns:m="http://schemas.openxmlformats.org/officeDocument/2006/math" xmlns:a14="http://schemas.microsoft.com/office/drawing/2010/main" xmlns:ma14="http://schemas.microsoft.com/office/mac/drawingml/2011/main" val="1"/>
             </a:ext>
           </a:extLst>
         </p:spPr>
@@ -34580,7 +34575,7 @@
           </a:ln>
           <a:extLst>
             <a:ext uri="{C572A759-6A51-4108-AA02-DFA0A04FC94B}">
-              <ma14:wrappingTextBoxFlag xmlns:ma14="http://schemas.microsoft.com/office/mac/drawingml/2011/main" xmlns:a14="http://schemas.microsoft.com/office/drawing/2010/main" xmlns:m="http://schemas.openxmlformats.org/officeDocument/2006/math" xmlns="" val="1"/>
+              <ma14:wrappingTextBoxFlag xmlns="" xmlns:m="http://schemas.openxmlformats.org/officeDocument/2006/math" xmlns:a14="http://schemas.microsoft.com/office/drawing/2010/main" xmlns:ma14="http://schemas.microsoft.com/office/mac/drawingml/2011/main" val="1"/>
             </a:ext>
           </a:extLst>
         </p:spPr>
@@ -34692,7 +34687,7 @@
           </a:ln>
           <a:extLst>
             <a:ext uri="{C572A759-6A51-4108-AA02-DFA0A04FC94B}">
-              <ma14:wrappingTextBoxFlag xmlns:ma14="http://schemas.microsoft.com/office/mac/drawingml/2011/main" xmlns:a14="http://schemas.microsoft.com/office/drawing/2010/main" xmlns:m="http://schemas.openxmlformats.org/officeDocument/2006/math" xmlns="" val="1"/>
+              <ma14:wrappingTextBoxFlag xmlns="" xmlns:m="http://schemas.openxmlformats.org/officeDocument/2006/math" xmlns:a14="http://schemas.microsoft.com/office/drawing/2010/main" xmlns:ma14="http://schemas.microsoft.com/office/mac/drawingml/2011/main" val="1"/>
             </a:ext>
           </a:extLst>
         </p:spPr>
@@ -34832,7 +34827,7 @@
           </a:ln>
           <a:extLst>
             <a:ext uri="{C572A759-6A51-4108-AA02-DFA0A04FC94B}">
-              <ma14:wrappingTextBoxFlag xmlns:ma14="http://schemas.microsoft.com/office/mac/drawingml/2011/main" xmlns:a14="http://schemas.microsoft.com/office/drawing/2010/main" xmlns:m="http://schemas.openxmlformats.org/officeDocument/2006/math" xmlns="" val="1"/>
+              <ma14:wrappingTextBoxFlag xmlns="" xmlns:m="http://schemas.openxmlformats.org/officeDocument/2006/math" xmlns:a14="http://schemas.microsoft.com/office/drawing/2010/main" xmlns:ma14="http://schemas.microsoft.com/office/mac/drawingml/2011/main" val="1"/>
             </a:ext>
           </a:extLst>
         </p:spPr>
@@ -34910,7 +34905,7 @@
           </a:ln>
           <a:extLst>
             <a:ext uri="{C572A759-6A51-4108-AA02-DFA0A04FC94B}">
-              <ma14:wrappingTextBoxFlag xmlns:ma14="http://schemas.microsoft.com/office/mac/drawingml/2011/main" xmlns:a14="http://schemas.microsoft.com/office/drawing/2010/main" xmlns:m="http://schemas.openxmlformats.org/officeDocument/2006/math" xmlns="" val="1"/>
+              <ma14:wrappingTextBoxFlag xmlns="" xmlns:m="http://schemas.openxmlformats.org/officeDocument/2006/math" xmlns:a14="http://schemas.microsoft.com/office/drawing/2010/main" xmlns:ma14="http://schemas.microsoft.com/office/mac/drawingml/2011/main" val="1"/>
             </a:ext>
           </a:extLst>
         </p:spPr>
@@ -34949,7 +34944,7 @@
           </a:ln>
           <a:extLst>
             <a:ext uri="{C572A759-6A51-4108-AA02-DFA0A04FC94B}">
-              <ma14:wrappingTextBoxFlag xmlns:ma14="http://schemas.microsoft.com/office/mac/drawingml/2011/main" xmlns:a14="http://schemas.microsoft.com/office/drawing/2010/main" xmlns:m="http://schemas.openxmlformats.org/officeDocument/2006/math" xmlns="" val="1"/>
+              <ma14:wrappingTextBoxFlag xmlns="" xmlns:m="http://schemas.openxmlformats.org/officeDocument/2006/math" xmlns:a14="http://schemas.microsoft.com/office/drawing/2010/main" xmlns:ma14="http://schemas.microsoft.com/office/mac/drawingml/2011/main" val="1"/>
             </a:ext>
           </a:extLst>
         </p:spPr>
@@ -35014,7 +35009,7 @@
           </a:ln>
           <a:extLst>
             <a:ext uri="{C572A759-6A51-4108-AA02-DFA0A04FC94B}">
-              <ma14:wrappingTextBoxFlag xmlns:ma14="http://schemas.microsoft.com/office/mac/drawingml/2011/main" xmlns:a14="http://schemas.microsoft.com/office/drawing/2010/main" xmlns:m="http://schemas.openxmlformats.org/officeDocument/2006/math" xmlns="" val="1"/>
+              <ma14:wrappingTextBoxFlag xmlns="" xmlns:m="http://schemas.openxmlformats.org/officeDocument/2006/math" xmlns:a14="http://schemas.microsoft.com/office/drawing/2010/main" xmlns:ma14="http://schemas.microsoft.com/office/mac/drawingml/2011/main" val="1"/>
             </a:ext>
           </a:extLst>
         </p:spPr>
@@ -35061,7 +35056,7 @@
           </a:ln>
           <a:extLst>
             <a:ext uri="{C572A759-6A51-4108-AA02-DFA0A04FC94B}">
-              <ma14:wrappingTextBoxFlag xmlns:ma14="http://schemas.microsoft.com/office/mac/drawingml/2011/main" xmlns:a14="http://schemas.microsoft.com/office/drawing/2010/main" xmlns:m="http://schemas.openxmlformats.org/officeDocument/2006/math" xmlns="" val="1"/>
+              <ma14:wrappingTextBoxFlag xmlns="" xmlns:m="http://schemas.openxmlformats.org/officeDocument/2006/math" xmlns:a14="http://schemas.microsoft.com/office/drawing/2010/main" xmlns:ma14="http://schemas.microsoft.com/office/mac/drawingml/2011/main" val="1"/>
             </a:ext>
           </a:extLst>
         </p:spPr>
@@ -35186,7 +35181,7 @@
           </a:ln>
           <a:extLst>
             <a:ext uri="{C572A759-6A51-4108-AA02-DFA0A04FC94B}">
-              <ma14:wrappingTextBoxFlag xmlns:ma14="http://schemas.microsoft.com/office/mac/drawingml/2011/main" xmlns:a14="http://schemas.microsoft.com/office/drawing/2010/main" xmlns:m="http://schemas.openxmlformats.org/officeDocument/2006/math" xmlns="" val="1"/>
+              <ma14:wrappingTextBoxFlag xmlns="" xmlns:m="http://schemas.openxmlformats.org/officeDocument/2006/math" xmlns:a14="http://schemas.microsoft.com/office/drawing/2010/main" xmlns:ma14="http://schemas.microsoft.com/office/mac/drawingml/2011/main" val="1"/>
             </a:ext>
           </a:extLst>
         </p:spPr>
@@ -35292,7 +35287,7 @@
           </a:ln>
           <a:extLst>
             <a:ext uri="{C572A759-6A51-4108-AA02-DFA0A04FC94B}">
-              <ma14:wrappingTextBoxFlag xmlns:ma14="http://schemas.microsoft.com/office/mac/drawingml/2011/main" xmlns:a14="http://schemas.microsoft.com/office/drawing/2010/main" xmlns:m="http://schemas.openxmlformats.org/officeDocument/2006/math" xmlns="" val="1"/>
+              <ma14:wrappingTextBoxFlag xmlns="" xmlns:m="http://schemas.openxmlformats.org/officeDocument/2006/math" xmlns:a14="http://schemas.microsoft.com/office/drawing/2010/main" xmlns:ma14="http://schemas.microsoft.com/office/mac/drawingml/2011/main" val="1"/>
             </a:ext>
           </a:extLst>
         </p:spPr>
@@ -35331,7 +35326,7 @@
           </a:ln>
           <a:extLst>
             <a:ext uri="{C572A759-6A51-4108-AA02-DFA0A04FC94B}">
-              <ma14:wrappingTextBoxFlag xmlns:ma14="http://schemas.microsoft.com/office/mac/drawingml/2011/main" xmlns:a14="http://schemas.microsoft.com/office/drawing/2010/main" xmlns:m="http://schemas.openxmlformats.org/officeDocument/2006/math" xmlns="" val="1"/>
+              <ma14:wrappingTextBoxFlag xmlns="" xmlns:m="http://schemas.openxmlformats.org/officeDocument/2006/math" xmlns:a14="http://schemas.microsoft.com/office/drawing/2010/main" xmlns:ma14="http://schemas.microsoft.com/office/mac/drawingml/2011/main" val="1"/>
             </a:ext>
           </a:extLst>
         </p:spPr>
@@ -35474,7 +35469,7 @@
           </a:ln>
           <a:extLst>
             <a:ext uri="{C572A759-6A51-4108-AA02-DFA0A04FC94B}">
-              <ma14:wrappingTextBoxFlag xmlns:ma14="http://schemas.microsoft.com/office/mac/drawingml/2011/main" xmlns:a14="http://schemas.microsoft.com/office/drawing/2010/main" xmlns:m="http://schemas.openxmlformats.org/officeDocument/2006/math" xmlns="" val="1"/>
+              <ma14:wrappingTextBoxFlag xmlns="" xmlns:m="http://schemas.openxmlformats.org/officeDocument/2006/math" xmlns:a14="http://schemas.microsoft.com/office/drawing/2010/main" xmlns:ma14="http://schemas.microsoft.com/office/mac/drawingml/2011/main" val="1"/>
             </a:ext>
           </a:extLst>
         </p:spPr>
@@ -35580,7 +35575,7 @@
           </a:ln>
           <a:extLst>
             <a:ext uri="{C572A759-6A51-4108-AA02-DFA0A04FC94B}">
-              <ma14:wrappingTextBoxFlag xmlns:ma14="http://schemas.microsoft.com/office/mac/drawingml/2011/main" xmlns:a14="http://schemas.microsoft.com/office/drawing/2010/main" xmlns:m="http://schemas.openxmlformats.org/officeDocument/2006/math" xmlns="" val="1"/>
+              <ma14:wrappingTextBoxFlag xmlns="" xmlns:m="http://schemas.openxmlformats.org/officeDocument/2006/math" xmlns:a14="http://schemas.microsoft.com/office/drawing/2010/main" xmlns:ma14="http://schemas.microsoft.com/office/mac/drawingml/2011/main" val="1"/>
             </a:ext>
           </a:extLst>
         </p:spPr>
@@ -35619,7 +35614,7 @@
           </a:ln>
           <a:extLst>
             <a:ext uri="{C572A759-6A51-4108-AA02-DFA0A04FC94B}">
-              <ma14:wrappingTextBoxFlag xmlns:ma14="http://schemas.microsoft.com/office/mac/drawingml/2011/main" xmlns:a14="http://schemas.microsoft.com/office/drawing/2010/main" xmlns:m="http://schemas.openxmlformats.org/officeDocument/2006/math" xmlns="" val="1"/>
+              <ma14:wrappingTextBoxFlag xmlns="" xmlns:m="http://schemas.openxmlformats.org/officeDocument/2006/math" xmlns:a14="http://schemas.microsoft.com/office/drawing/2010/main" xmlns:ma14="http://schemas.microsoft.com/office/mac/drawingml/2011/main" val="1"/>
             </a:ext>
           </a:extLst>
         </p:spPr>
@@ -35684,7 +35679,7 @@
           </a:ln>
           <a:extLst>
             <a:ext uri="{C572A759-6A51-4108-AA02-DFA0A04FC94B}">
-              <ma14:wrappingTextBoxFlag xmlns:ma14="http://schemas.microsoft.com/office/mac/drawingml/2011/main" xmlns:a14="http://schemas.microsoft.com/office/drawing/2010/main" xmlns:m="http://schemas.openxmlformats.org/officeDocument/2006/math" xmlns="" val="1"/>
+              <ma14:wrappingTextBoxFlag xmlns="" xmlns:m="http://schemas.openxmlformats.org/officeDocument/2006/math" xmlns:a14="http://schemas.microsoft.com/office/drawing/2010/main" xmlns:ma14="http://schemas.microsoft.com/office/mac/drawingml/2011/main" val="1"/>
             </a:ext>
           </a:extLst>
         </p:spPr>
@@ -35849,7 +35844,7 @@
           </a:ln>
           <a:extLst>
             <a:ext uri="{C572A759-6A51-4108-AA02-DFA0A04FC94B}">
-              <ma14:wrappingTextBoxFlag xmlns:ma14="http://schemas.microsoft.com/office/mac/drawingml/2011/main" xmlns:a14="http://schemas.microsoft.com/office/drawing/2010/main" xmlns:m="http://schemas.openxmlformats.org/officeDocument/2006/math" xmlns="" val="1"/>
+              <ma14:wrappingTextBoxFlag xmlns="" xmlns:m="http://schemas.openxmlformats.org/officeDocument/2006/math" xmlns:a14="http://schemas.microsoft.com/office/drawing/2010/main" xmlns:ma14="http://schemas.microsoft.com/office/mac/drawingml/2011/main" val="1"/>
             </a:ext>
           </a:extLst>
         </p:spPr>
@@ -35888,7 +35883,7 @@
           </a:ln>
           <a:extLst>
             <a:ext uri="{C572A759-6A51-4108-AA02-DFA0A04FC94B}">
-              <ma14:wrappingTextBoxFlag xmlns:ma14="http://schemas.microsoft.com/office/mac/drawingml/2011/main" xmlns:a14="http://schemas.microsoft.com/office/drawing/2010/main" xmlns:m="http://schemas.openxmlformats.org/officeDocument/2006/math" xmlns="" val="1"/>
+              <ma14:wrappingTextBoxFlag xmlns="" xmlns:m="http://schemas.openxmlformats.org/officeDocument/2006/math" xmlns:a14="http://schemas.microsoft.com/office/drawing/2010/main" xmlns:ma14="http://schemas.microsoft.com/office/mac/drawingml/2011/main" val="1"/>
             </a:ext>
           </a:extLst>
         </p:spPr>
@@ -38910,7 +38905,7 @@
           </a:ln>
           <a:extLst>
             <a:ext uri="{C572A759-6A51-4108-AA02-DFA0A04FC94B}">
-              <ma14:wrappingTextBoxFlag xmlns:ma14="http://schemas.microsoft.com/office/mac/drawingml/2011/main" xmlns:a14="http://schemas.microsoft.com/office/drawing/2010/main" xmlns:m="http://schemas.openxmlformats.org/officeDocument/2006/math" xmlns="" val="1"/>
+              <ma14:wrappingTextBoxFlag xmlns="" xmlns:m="http://schemas.openxmlformats.org/officeDocument/2006/math" xmlns:a14="http://schemas.microsoft.com/office/drawing/2010/main" xmlns:ma14="http://schemas.microsoft.com/office/mac/drawingml/2011/main" val="1"/>
             </a:ext>
           </a:extLst>
         </p:spPr>
@@ -39707,7 +39702,7 @@
           </a:ln>
           <a:extLst>
             <a:ext uri="{C572A759-6A51-4108-AA02-DFA0A04FC94B}">
-              <ma14:wrappingTextBoxFlag xmlns:ma14="http://schemas.microsoft.com/office/mac/drawingml/2011/main" xmlns:a14="http://schemas.microsoft.com/office/drawing/2010/main" xmlns:m="http://schemas.openxmlformats.org/officeDocument/2006/math" xmlns="" val="1"/>
+              <ma14:wrappingTextBoxFlag xmlns="" xmlns:m="http://schemas.openxmlformats.org/officeDocument/2006/math" xmlns:a14="http://schemas.microsoft.com/office/drawing/2010/main" xmlns:ma14="http://schemas.microsoft.com/office/mac/drawingml/2011/main" val="1"/>
             </a:ext>
           </a:extLst>
         </p:spPr>
@@ -39754,7 +39749,7 @@
           </a:ln>
           <a:extLst>
             <a:ext uri="{C572A759-6A51-4108-AA02-DFA0A04FC94B}">
-              <ma14:wrappingTextBoxFlag xmlns:ma14="http://schemas.microsoft.com/office/mac/drawingml/2011/main" xmlns:a14="http://schemas.microsoft.com/office/drawing/2010/main" xmlns:m="http://schemas.openxmlformats.org/officeDocument/2006/math" xmlns="" val="1"/>
+              <ma14:wrappingTextBoxFlag xmlns="" xmlns:m="http://schemas.openxmlformats.org/officeDocument/2006/math" xmlns:a14="http://schemas.microsoft.com/office/drawing/2010/main" xmlns:ma14="http://schemas.microsoft.com/office/mac/drawingml/2011/main" val="1"/>
             </a:ext>
           </a:extLst>
         </p:spPr>
@@ -39801,7 +39796,7 @@
           </a:ln>
           <a:extLst>
             <a:ext uri="{C572A759-6A51-4108-AA02-DFA0A04FC94B}">
-              <ma14:wrappingTextBoxFlag xmlns:ma14="http://schemas.microsoft.com/office/mac/drawingml/2011/main" xmlns:a14="http://schemas.microsoft.com/office/drawing/2010/main" xmlns:m="http://schemas.openxmlformats.org/officeDocument/2006/math" xmlns="" val="1"/>
+              <ma14:wrappingTextBoxFlag xmlns="" xmlns:m="http://schemas.openxmlformats.org/officeDocument/2006/math" xmlns:a14="http://schemas.microsoft.com/office/drawing/2010/main" xmlns:ma14="http://schemas.microsoft.com/office/mac/drawingml/2011/main" val="1"/>
             </a:ext>
           </a:extLst>
         </p:spPr>
@@ -39849,7 +39844,7 @@
           </a:ln>
           <a:extLst>
             <a:ext uri="{C572A759-6A51-4108-AA02-DFA0A04FC94B}">
-              <ma14:wrappingTextBoxFlag xmlns:ma14="http://schemas.microsoft.com/office/mac/drawingml/2011/main" xmlns:a14="http://schemas.microsoft.com/office/drawing/2010/main" xmlns:m="http://schemas.openxmlformats.org/officeDocument/2006/math" xmlns="" val="1"/>
+              <ma14:wrappingTextBoxFlag xmlns="" xmlns:m="http://schemas.openxmlformats.org/officeDocument/2006/math" xmlns:a14="http://schemas.microsoft.com/office/drawing/2010/main" xmlns:ma14="http://schemas.microsoft.com/office/mac/drawingml/2011/main" val="1"/>
             </a:ext>
           </a:extLst>
         </p:spPr>
@@ -40033,7 +40028,7 @@
           </a:ln>
           <a:extLst>
             <a:ext uri="{C572A759-6A51-4108-AA02-DFA0A04FC94B}">
-              <ma14:wrappingTextBoxFlag xmlns:ma14="http://schemas.microsoft.com/office/mac/drawingml/2011/main" xmlns:a14="http://schemas.microsoft.com/office/drawing/2010/main" xmlns:m="http://schemas.openxmlformats.org/officeDocument/2006/math" xmlns="" val="1"/>
+              <ma14:wrappingTextBoxFlag xmlns="" xmlns:m="http://schemas.openxmlformats.org/officeDocument/2006/math" xmlns:a14="http://schemas.microsoft.com/office/drawing/2010/main" xmlns:ma14="http://schemas.microsoft.com/office/mac/drawingml/2011/main" val="1"/>
             </a:ext>
           </a:extLst>
         </p:spPr>
@@ -40072,7 +40067,7 @@
           </a:ln>
           <a:extLst>
             <a:ext uri="{C572A759-6A51-4108-AA02-DFA0A04FC94B}">
-              <ma14:wrappingTextBoxFlag xmlns:ma14="http://schemas.microsoft.com/office/mac/drawingml/2011/main" xmlns:a14="http://schemas.microsoft.com/office/drawing/2010/main" xmlns:m="http://schemas.openxmlformats.org/officeDocument/2006/math" xmlns="" val="1"/>
+              <ma14:wrappingTextBoxFlag xmlns="" xmlns:m="http://schemas.openxmlformats.org/officeDocument/2006/math" xmlns:a14="http://schemas.microsoft.com/office/drawing/2010/main" xmlns:ma14="http://schemas.microsoft.com/office/mac/drawingml/2011/main" val="1"/>
             </a:ext>
           </a:extLst>
         </p:spPr>
@@ -42585,7 +42580,7 @@
           </a:ln>
           <a:extLst>
             <a:ext uri="{C572A759-6A51-4108-AA02-DFA0A04FC94B}">
-              <ma14:wrappingTextBoxFlag xmlns:ma14="http://schemas.microsoft.com/office/mac/drawingml/2011/main" xmlns:a14="http://schemas.microsoft.com/office/drawing/2010/main" xmlns:m="http://schemas.openxmlformats.org/officeDocument/2006/math" xmlns="" val="1"/>
+              <ma14:wrappingTextBoxFlag xmlns="" xmlns:m="http://schemas.openxmlformats.org/officeDocument/2006/math" xmlns:a14="http://schemas.microsoft.com/office/drawing/2010/main" xmlns:ma14="http://schemas.microsoft.com/office/mac/drawingml/2011/main" val="1"/>
             </a:ext>
           </a:extLst>
         </p:spPr>
@@ -42661,7 +42656,7 @@
           </a:ln>
           <a:extLst>
             <a:ext uri="{C572A759-6A51-4108-AA02-DFA0A04FC94B}">
-              <ma14:wrappingTextBoxFlag xmlns:ma14="http://schemas.microsoft.com/office/mac/drawingml/2011/main" xmlns:a14="http://schemas.microsoft.com/office/drawing/2010/main" xmlns:m="http://schemas.openxmlformats.org/officeDocument/2006/math" xmlns="" val="1"/>
+              <ma14:wrappingTextBoxFlag xmlns="" xmlns:m="http://schemas.openxmlformats.org/officeDocument/2006/math" xmlns:a14="http://schemas.microsoft.com/office/drawing/2010/main" xmlns:ma14="http://schemas.microsoft.com/office/mac/drawingml/2011/main" val="1"/>
             </a:ext>
           </a:extLst>
         </p:spPr>
@@ -42708,7 +42703,7 @@
           </a:ln>
           <a:extLst>
             <a:ext uri="{C572A759-6A51-4108-AA02-DFA0A04FC94B}">
-              <ma14:wrappingTextBoxFlag xmlns:ma14="http://schemas.microsoft.com/office/mac/drawingml/2011/main" xmlns:a14="http://schemas.microsoft.com/office/drawing/2010/main" xmlns:m="http://schemas.openxmlformats.org/officeDocument/2006/math" xmlns="" val="1"/>
+              <ma14:wrappingTextBoxFlag xmlns="" xmlns:m="http://schemas.openxmlformats.org/officeDocument/2006/math" xmlns:a14="http://schemas.microsoft.com/office/drawing/2010/main" xmlns:ma14="http://schemas.microsoft.com/office/mac/drawingml/2011/main" val="1"/>
             </a:ext>
           </a:extLst>
         </p:spPr>
@@ -44140,7 +44135,7 @@
           </a:ln>
           <a:extLst>
             <a:ext uri="{C572A759-6A51-4108-AA02-DFA0A04FC94B}">
-              <ma14:wrappingTextBoxFlag xmlns:ma14="http://schemas.microsoft.com/office/mac/drawingml/2011/main" xmlns:a14="http://schemas.microsoft.com/office/drawing/2010/main" xmlns:m="http://schemas.openxmlformats.org/officeDocument/2006/math" xmlns="" val="1"/>
+              <ma14:wrappingTextBoxFlag xmlns="" xmlns:m="http://schemas.openxmlformats.org/officeDocument/2006/math" xmlns:a14="http://schemas.microsoft.com/office/drawing/2010/main" xmlns:ma14="http://schemas.microsoft.com/office/mac/drawingml/2011/main" val="1"/>
             </a:ext>
           </a:extLst>
         </p:spPr>
@@ -44194,7 +44189,7 @@
           </a:ln>
           <a:extLst>
             <a:ext uri="{C572A759-6A51-4108-AA02-DFA0A04FC94B}">
-              <ma14:wrappingTextBoxFlag xmlns:ma14="http://schemas.microsoft.com/office/mac/drawingml/2011/main" xmlns:a14="http://schemas.microsoft.com/office/drawing/2010/main" xmlns:m="http://schemas.openxmlformats.org/officeDocument/2006/math" xmlns="" val="1"/>
+              <ma14:wrappingTextBoxFlag xmlns="" xmlns:m="http://schemas.openxmlformats.org/officeDocument/2006/math" xmlns:a14="http://schemas.microsoft.com/office/drawing/2010/main" xmlns:ma14="http://schemas.microsoft.com/office/mac/drawingml/2011/main" val="1"/>
             </a:ext>
           </a:extLst>
         </p:spPr>
@@ -44478,7 +44473,7 @@
           </a:ln>
           <a:extLst>
             <a:ext uri="{C572A759-6A51-4108-AA02-DFA0A04FC94B}">
-              <ma14:wrappingTextBoxFlag xmlns:ma14="http://schemas.microsoft.com/office/mac/drawingml/2011/main" xmlns:a14="http://schemas.microsoft.com/office/drawing/2010/main" xmlns:m="http://schemas.openxmlformats.org/officeDocument/2006/math" xmlns="" val="1"/>
+              <ma14:wrappingTextBoxFlag xmlns="" xmlns:m="http://schemas.openxmlformats.org/officeDocument/2006/math" xmlns:a14="http://schemas.microsoft.com/office/drawing/2010/main" xmlns:ma14="http://schemas.microsoft.com/office/mac/drawingml/2011/main" val="1"/>
             </a:ext>
           </a:extLst>
         </p:spPr>
@@ -44517,7 +44512,7 @@
           </a:ln>
           <a:extLst>
             <a:ext uri="{C572A759-6A51-4108-AA02-DFA0A04FC94B}">
-              <ma14:wrappingTextBoxFlag xmlns:ma14="http://schemas.microsoft.com/office/mac/drawingml/2011/main" xmlns:a14="http://schemas.microsoft.com/office/drawing/2010/main" xmlns:m="http://schemas.openxmlformats.org/officeDocument/2006/math" xmlns="" val="1"/>
+              <ma14:wrappingTextBoxFlag xmlns="" xmlns:m="http://schemas.openxmlformats.org/officeDocument/2006/math" xmlns:a14="http://schemas.microsoft.com/office/drawing/2010/main" xmlns:ma14="http://schemas.microsoft.com/office/mac/drawingml/2011/main" val="1"/>
             </a:ext>
           </a:extLst>
         </p:spPr>
@@ -47114,7 +47109,7 @@
           </a:ln>
           <a:extLst>
             <a:ext uri="{C572A759-6A51-4108-AA02-DFA0A04FC94B}">
-              <ma14:wrappingTextBoxFlag xmlns:ma14="http://schemas.microsoft.com/office/mac/drawingml/2011/main" xmlns:a14="http://schemas.microsoft.com/office/drawing/2010/main" xmlns:m="http://schemas.openxmlformats.org/officeDocument/2006/math" xmlns="" val="1"/>
+              <ma14:wrappingTextBoxFlag xmlns="" xmlns:m="http://schemas.openxmlformats.org/officeDocument/2006/math" xmlns:a14="http://schemas.microsoft.com/office/drawing/2010/main" xmlns:ma14="http://schemas.microsoft.com/office/mac/drawingml/2011/main" val="1"/>
             </a:ext>
           </a:extLst>
         </p:spPr>
@@ -47205,7 +47200,7 @@
           </a:ln>
           <a:extLst>
             <a:ext uri="{C572A759-6A51-4108-AA02-DFA0A04FC94B}">
-              <ma14:wrappingTextBoxFlag xmlns:ma14="http://schemas.microsoft.com/office/mac/drawingml/2011/main" xmlns:a14="http://schemas.microsoft.com/office/drawing/2010/main" xmlns:m="http://schemas.openxmlformats.org/officeDocument/2006/math" xmlns="" val="1"/>
+              <ma14:wrappingTextBoxFlag xmlns="" xmlns:m="http://schemas.openxmlformats.org/officeDocument/2006/math" xmlns:a14="http://schemas.microsoft.com/office/drawing/2010/main" xmlns:ma14="http://schemas.microsoft.com/office/mac/drawingml/2011/main" val="1"/>
             </a:ext>
           </a:extLst>
         </p:spPr>
@@ -47252,7 +47247,7 @@
           </a:ln>
           <a:extLst>
             <a:ext uri="{C572A759-6A51-4108-AA02-DFA0A04FC94B}">
-              <ma14:wrappingTextBoxFlag xmlns:ma14="http://schemas.microsoft.com/office/mac/drawingml/2011/main" xmlns:a14="http://schemas.microsoft.com/office/drawing/2010/main" xmlns:m="http://schemas.openxmlformats.org/officeDocument/2006/math" xmlns="" val="1"/>
+              <ma14:wrappingTextBoxFlag xmlns="" xmlns:m="http://schemas.openxmlformats.org/officeDocument/2006/math" xmlns:a14="http://schemas.microsoft.com/office/drawing/2010/main" xmlns:ma14="http://schemas.microsoft.com/office/mac/drawingml/2011/main" val="1"/>
             </a:ext>
           </a:extLst>
         </p:spPr>
@@ -47362,7 +47357,7 @@
           </a:ln>
           <a:extLst>
             <a:ext uri="{C572A759-6A51-4108-AA02-DFA0A04FC94B}">
-              <ma14:wrappingTextBoxFlag xmlns:ma14="http://schemas.microsoft.com/office/mac/drawingml/2011/main" xmlns:a14="http://schemas.microsoft.com/office/drawing/2010/main" xmlns:m="http://schemas.openxmlformats.org/officeDocument/2006/math" xmlns="" val="1"/>
+              <ma14:wrappingTextBoxFlag xmlns="" xmlns:m="http://schemas.openxmlformats.org/officeDocument/2006/math" xmlns:a14="http://schemas.microsoft.com/office/drawing/2010/main" xmlns:ma14="http://schemas.microsoft.com/office/mac/drawingml/2011/main" val="1"/>
             </a:ext>
           </a:extLst>
         </p:spPr>
@@ -48154,7 +48149,7 @@
           </a:ln>
           <a:extLst>
             <a:ext uri="{C572A759-6A51-4108-AA02-DFA0A04FC94B}">
-              <ma14:wrappingTextBoxFlag xmlns:ma14="http://schemas.microsoft.com/office/mac/drawingml/2011/main" xmlns:a14="http://schemas.microsoft.com/office/drawing/2010/main" xmlns:m="http://schemas.openxmlformats.org/officeDocument/2006/math" xmlns="" val="1"/>
+              <ma14:wrappingTextBoxFlag xmlns="" xmlns:m="http://schemas.openxmlformats.org/officeDocument/2006/math" xmlns:a14="http://schemas.microsoft.com/office/drawing/2010/main" xmlns:ma14="http://schemas.microsoft.com/office/mac/drawingml/2011/main" val="1"/>
             </a:ext>
           </a:extLst>
         </p:spPr>
@@ -48208,7 +48203,7 @@
           </a:ln>
           <a:extLst>
             <a:ext uri="{C572A759-6A51-4108-AA02-DFA0A04FC94B}">
-              <ma14:wrappingTextBoxFlag xmlns:ma14="http://schemas.microsoft.com/office/mac/drawingml/2011/main" xmlns:a14="http://schemas.microsoft.com/office/drawing/2010/main" xmlns:m="http://schemas.openxmlformats.org/officeDocument/2006/math" xmlns="" val="1"/>
+              <ma14:wrappingTextBoxFlag xmlns="" xmlns:m="http://schemas.openxmlformats.org/officeDocument/2006/math" xmlns:a14="http://schemas.microsoft.com/office/drawing/2010/main" xmlns:ma14="http://schemas.microsoft.com/office/mac/drawingml/2011/main" val="1"/>
             </a:ext>
           </a:extLst>
         </p:spPr>
@@ -48872,7 +48867,7 @@
           </a:ln>
           <a:extLst>
             <a:ext uri="{C572A759-6A51-4108-AA02-DFA0A04FC94B}">
-              <ma14:wrappingTextBoxFlag xmlns:ma14="http://schemas.microsoft.com/office/mac/drawingml/2011/main" xmlns:a14="http://schemas.microsoft.com/office/drawing/2010/main" xmlns:m="http://schemas.openxmlformats.org/officeDocument/2006/math" xmlns="" val="1"/>
+              <ma14:wrappingTextBoxFlag xmlns="" xmlns:m="http://schemas.openxmlformats.org/officeDocument/2006/math" xmlns:a14="http://schemas.microsoft.com/office/drawing/2010/main" xmlns:ma14="http://schemas.microsoft.com/office/mac/drawingml/2011/main" val="1"/>
             </a:ext>
           </a:extLst>
         </p:spPr>
@@ -49651,7 +49646,7 @@
           </a:ln>
           <a:extLst>
             <a:ext uri="{C572A759-6A51-4108-AA02-DFA0A04FC94B}">
-              <ma14:wrappingTextBoxFlag xmlns:ma14="http://schemas.microsoft.com/office/mac/drawingml/2011/main" xmlns:a14="http://schemas.microsoft.com/office/drawing/2010/main" xmlns:m="http://schemas.openxmlformats.org/officeDocument/2006/math" xmlns="" val="1"/>
+              <ma14:wrappingTextBoxFlag xmlns="" xmlns:m="http://schemas.openxmlformats.org/officeDocument/2006/math" xmlns:a14="http://schemas.microsoft.com/office/drawing/2010/main" xmlns:ma14="http://schemas.microsoft.com/office/mac/drawingml/2011/main" val="1"/>
             </a:ext>
           </a:extLst>
         </p:spPr>
@@ -49697,7 +49692,7 @@
           </a:ln>
           <a:extLst>
             <a:ext uri="{C572A759-6A51-4108-AA02-DFA0A04FC94B}">
-              <ma14:wrappingTextBoxFlag xmlns:ma14="http://schemas.microsoft.com/office/mac/drawingml/2011/main" xmlns:a14="http://schemas.microsoft.com/office/drawing/2010/main" xmlns:m="http://schemas.openxmlformats.org/officeDocument/2006/math" xmlns="" val="1"/>
+              <ma14:wrappingTextBoxFlag xmlns="" xmlns:m="http://schemas.openxmlformats.org/officeDocument/2006/math" xmlns:a14="http://schemas.microsoft.com/office/drawing/2010/main" xmlns:ma14="http://schemas.microsoft.com/office/mac/drawingml/2011/main" val="1"/>
             </a:ext>
           </a:extLst>
         </p:spPr>
@@ -49738,7 +49733,7 @@
           </a:ln>
           <a:extLst>
             <a:ext uri="{C572A759-6A51-4108-AA02-DFA0A04FC94B}">
-              <ma14:wrappingTextBoxFlag xmlns:ma14="http://schemas.microsoft.com/office/mac/drawingml/2011/main" xmlns:a14="http://schemas.microsoft.com/office/drawing/2010/main" xmlns:m="http://schemas.openxmlformats.org/officeDocument/2006/math" xmlns="" val="1"/>
+              <ma14:wrappingTextBoxFlag xmlns="" xmlns:m="http://schemas.openxmlformats.org/officeDocument/2006/math" xmlns:a14="http://schemas.microsoft.com/office/drawing/2010/main" xmlns:ma14="http://schemas.microsoft.com/office/mac/drawingml/2011/main" val="1"/>
             </a:ext>
           </a:extLst>
         </p:spPr>
@@ -49806,7 +49801,7 @@
           </a:ln>
           <a:extLst>
             <a:ext uri="{C572A759-6A51-4108-AA02-DFA0A04FC94B}">
-              <ma14:wrappingTextBoxFlag xmlns:ma14="http://schemas.microsoft.com/office/mac/drawingml/2011/main" xmlns:a14="http://schemas.microsoft.com/office/drawing/2010/main" xmlns:m="http://schemas.openxmlformats.org/officeDocument/2006/math" xmlns="" val="1"/>
+              <ma14:wrappingTextBoxFlag xmlns="" xmlns:m="http://schemas.openxmlformats.org/officeDocument/2006/math" xmlns:a14="http://schemas.microsoft.com/office/drawing/2010/main" xmlns:ma14="http://schemas.microsoft.com/office/mac/drawingml/2011/main" val="1"/>
             </a:ext>
           </a:extLst>
         </p:spPr>
@@ -49847,7 +49842,7 @@
           </a:ln>
           <a:extLst>
             <a:ext uri="{C572A759-6A51-4108-AA02-DFA0A04FC94B}">
-              <ma14:wrappingTextBoxFlag xmlns:ma14="http://schemas.microsoft.com/office/mac/drawingml/2011/main" xmlns:a14="http://schemas.microsoft.com/office/drawing/2010/main" xmlns:m="http://schemas.openxmlformats.org/officeDocument/2006/math" xmlns="" val="1"/>
+              <ma14:wrappingTextBoxFlag xmlns="" xmlns:m="http://schemas.openxmlformats.org/officeDocument/2006/math" xmlns:a14="http://schemas.microsoft.com/office/drawing/2010/main" xmlns:ma14="http://schemas.microsoft.com/office/mac/drawingml/2011/main" val="1"/>
             </a:ext>
           </a:extLst>
         </p:spPr>
@@ -49899,7 +49894,7 @@
           </a:ln>
           <a:extLst>
             <a:ext uri="{C572A759-6A51-4108-AA02-DFA0A04FC94B}">
-              <ma14:wrappingTextBoxFlag xmlns:ma14="http://schemas.microsoft.com/office/mac/drawingml/2011/main" xmlns:a14="http://schemas.microsoft.com/office/drawing/2010/main" xmlns:m="http://schemas.openxmlformats.org/officeDocument/2006/math" xmlns="" val="1"/>
+              <ma14:wrappingTextBoxFlag xmlns="" xmlns:m="http://schemas.openxmlformats.org/officeDocument/2006/math" xmlns:a14="http://schemas.microsoft.com/office/drawing/2010/main" xmlns:ma14="http://schemas.microsoft.com/office/mac/drawingml/2011/main" val="1"/>
             </a:ext>
           </a:extLst>
         </p:spPr>
@@ -49938,7 +49933,7 @@
           </a:ln>
           <a:extLst>
             <a:ext uri="{C572A759-6A51-4108-AA02-DFA0A04FC94B}">
-              <ma14:wrappingTextBoxFlag xmlns:ma14="http://schemas.microsoft.com/office/mac/drawingml/2011/main" xmlns:a14="http://schemas.microsoft.com/office/drawing/2010/main" xmlns:m="http://schemas.openxmlformats.org/officeDocument/2006/math" xmlns="" val="1"/>
+              <ma14:wrappingTextBoxFlag xmlns="" xmlns:m="http://schemas.openxmlformats.org/officeDocument/2006/math" xmlns:a14="http://schemas.microsoft.com/office/drawing/2010/main" xmlns:ma14="http://schemas.microsoft.com/office/mac/drawingml/2011/main" val="1"/>
             </a:ext>
           </a:extLst>
         </p:spPr>
@@ -49977,7 +49972,7 @@
           </a:ln>
           <a:extLst>
             <a:ext uri="{C572A759-6A51-4108-AA02-DFA0A04FC94B}">
-              <ma14:wrappingTextBoxFlag xmlns:ma14="http://schemas.microsoft.com/office/mac/drawingml/2011/main" xmlns:a14="http://schemas.microsoft.com/office/drawing/2010/main" xmlns:m="http://schemas.openxmlformats.org/officeDocument/2006/math" xmlns="" val="1"/>
+              <ma14:wrappingTextBoxFlag xmlns="" xmlns:m="http://schemas.openxmlformats.org/officeDocument/2006/math" xmlns:a14="http://schemas.microsoft.com/office/drawing/2010/main" xmlns:ma14="http://schemas.microsoft.com/office/mac/drawingml/2011/main" val="1"/>
             </a:ext>
           </a:extLst>
         </p:spPr>
@@ -50016,7 +50011,7 @@
           </a:ln>
           <a:extLst>
             <a:ext uri="{C572A759-6A51-4108-AA02-DFA0A04FC94B}">
-              <ma14:wrappingTextBoxFlag xmlns:ma14="http://schemas.microsoft.com/office/mac/drawingml/2011/main" xmlns:a14="http://schemas.microsoft.com/office/drawing/2010/main" xmlns:m="http://schemas.openxmlformats.org/officeDocument/2006/math" xmlns="" val="1"/>
+              <ma14:wrappingTextBoxFlag xmlns="" xmlns:m="http://schemas.openxmlformats.org/officeDocument/2006/math" xmlns:a14="http://schemas.microsoft.com/office/drawing/2010/main" xmlns:ma14="http://schemas.microsoft.com/office/mac/drawingml/2011/main" val="1"/>
             </a:ext>
           </a:extLst>
         </p:spPr>
@@ -50165,7 +50160,7 @@
           </a:ln>
           <a:extLst>
             <a:ext uri="{C572A759-6A51-4108-AA02-DFA0A04FC94B}">
-              <ma14:wrappingTextBoxFlag xmlns:ma14="http://schemas.microsoft.com/office/mac/drawingml/2011/main" xmlns:a14="http://schemas.microsoft.com/office/drawing/2010/main" xmlns:m="http://schemas.openxmlformats.org/officeDocument/2006/math" xmlns="" val="1"/>
+              <ma14:wrappingTextBoxFlag xmlns="" xmlns:m="http://schemas.openxmlformats.org/officeDocument/2006/math" xmlns:a14="http://schemas.microsoft.com/office/drawing/2010/main" xmlns:ma14="http://schemas.microsoft.com/office/mac/drawingml/2011/main" val="1"/>
             </a:ext>
           </a:extLst>
         </p:spPr>
@@ -50878,7 +50873,7 @@
           </a:ln>
           <a:extLst>
             <a:ext uri="{C572A759-6A51-4108-AA02-DFA0A04FC94B}">
-              <ma14:wrappingTextBoxFlag xmlns:ma14="http://schemas.microsoft.com/office/mac/drawingml/2011/main" xmlns:a14="http://schemas.microsoft.com/office/drawing/2010/main" xmlns:m="http://schemas.openxmlformats.org/officeDocument/2006/math" xmlns="" val="1"/>
+              <ma14:wrappingTextBoxFlag xmlns="" xmlns:m="http://schemas.openxmlformats.org/officeDocument/2006/math" xmlns:a14="http://schemas.microsoft.com/office/drawing/2010/main" xmlns:ma14="http://schemas.microsoft.com/office/mac/drawingml/2011/main" val="1"/>
             </a:ext>
           </a:extLst>
         </p:spPr>
@@ -50956,7 +50951,7 @@
           </a:ln>
           <a:extLst>
             <a:ext uri="{C572A759-6A51-4108-AA02-DFA0A04FC94B}">
-              <ma14:wrappingTextBoxFlag xmlns:ma14="http://schemas.microsoft.com/office/mac/drawingml/2011/main" xmlns:a14="http://schemas.microsoft.com/office/drawing/2010/main" xmlns:m="http://schemas.openxmlformats.org/officeDocument/2006/math" xmlns="" val="1"/>
+              <ma14:wrappingTextBoxFlag xmlns="" xmlns:m="http://schemas.openxmlformats.org/officeDocument/2006/math" xmlns:a14="http://schemas.microsoft.com/office/drawing/2010/main" xmlns:ma14="http://schemas.microsoft.com/office/mac/drawingml/2011/main" val="1"/>
             </a:ext>
           </a:extLst>
         </p:spPr>
@@ -51006,7 +51001,7 @@
           </a:ln>
           <a:extLst>
             <a:ext uri="{C572A759-6A51-4108-AA02-DFA0A04FC94B}">
-              <ma14:wrappingTextBoxFlag xmlns:ma14="http://schemas.microsoft.com/office/mac/drawingml/2011/main" xmlns:a14="http://schemas.microsoft.com/office/drawing/2010/main" xmlns:m="http://schemas.openxmlformats.org/officeDocument/2006/math" xmlns="" val="1"/>
+              <ma14:wrappingTextBoxFlag xmlns="" xmlns:m="http://schemas.openxmlformats.org/officeDocument/2006/math" xmlns:a14="http://schemas.microsoft.com/office/drawing/2010/main" xmlns:ma14="http://schemas.microsoft.com/office/mac/drawingml/2011/main" val="1"/>
             </a:ext>
           </a:extLst>
         </p:spPr>
@@ -51217,7 +51212,7 @@
           </a:ln>
           <a:extLst>
             <a:ext uri="{C572A759-6A51-4108-AA02-DFA0A04FC94B}">
-              <ma14:wrappingTextBoxFlag xmlns:ma14="http://schemas.microsoft.com/office/mac/drawingml/2011/main" xmlns:a14="http://schemas.microsoft.com/office/drawing/2010/main" xmlns:m="http://schemas.openxmlformats.org/officeDocument/2006/math" xmlns="" val="1"/>
+              <ma14:wrappingTextBoxFlag xmlns="" xmlns:m="http://schemas.openxmlformats.org/officeDocument/2006/math" xmlns:a14="http://schemas.microsoft.com/office/drawing/2010/main" xmlns:ma14="http://schemas.microsoft.com/office/mac/drawingml/2011/main" val="1"/>
             </a:ext>
           </a:extLst>
         </p:spPr>
@@ -51264,7 +51259,7 @@
           </a:ln>
           <a:extLst>
             <a:ext uri="{C572A759-6A51-4108-AA02-DFA0A04FC94B}">
-              <ma14:wrappingTextBoxFlag xmlns:ma14="http://schemas.microsoft.com/office/mac/drawingml/2011/main" xmlns:a14="http://schemas.microsoft.com/office/drawing/2010/main" xmlns:m="http://schemas.openxmlformats.org/officeDocument/2006/math" xmlns="" val="1"/>
+              <ma14:wrappingTextBoxFlag xmlns="" xmlns:m="http://schemas.openxmlformats.org/officeDocument/2006/math" xmlns:a14="http://schemas.microsoft.com/office/drawing/2010/main" xmlns:ma14="http://schemas.microsoft.com/office/mac/drawingml/2011/main" val="1"/>
             </a:ext>
           </a:extLst>
         </p:spPr>
@@ -51312,7 +51307,7 @@
           </a:ln>
           <a:extLst>
             <a:ext uri="{C572A759-6A51-4108-AA02-DFA0A04FC94B}">
-              <ma14:wrappingTextBoxFlag xmlns:ma14="http://schemas.microsoft.com/office/mac/drawingml/2011/main" xmlns:a14="http://schemas.microsoft.com/office/drawing/2010/main" xmlns:m="http://schemas.openxmlformats.org/officeDocument/2006/math" xmlns="" val="1"/>
+              <ma14:wrappingTextBoxFlag xmlns="" xmlns:m="http://schemas.openxmlformats.org/officeDocument/2006/math" xmlns:a14="http://schemas.microsoft.com/office/drawing/2010/main" xmlns:ma14="http://schemas.microsoft.com/office/mac/drawingml/2011/main" val="1"/>
             </a:ext>
           </a:extLst>
         </p:spPr>
@@ -51351,7 +51346,7 @@
           </a:ln>
           <a:extLst>
             <a:ext uri="{C572A759-6A51-4108-AA02-DFA0A04FC94B}">
-              <ma14:wrappingTextBoxFlag xmlns:ma14="http://schemas.microsoft.com/office/mac/drawingml/2011/main" xmlns:a14="http://schemas.microsoft.com/office/drawing/2010/main" xmlns:m="http://schemas.openxmlformats.org/officeDocument/2006/math" xmlns="" val="1"/>
+              <ma14:wrappingTextBoxFlag xmlns="" xmlns:m="http://schemas.openxmlformats.org/officeDocument/2006/math" xmlns:a14="http://schemas.microsoft.com/office/drawing/2010/main" xmlns:ma14="http://schemas.microsoft.com/office/mac/drawingml/2011/main" val="1"/>
             </a:ext>
           </a:extLst>
         </p:spPr>
@@ -51390,7 +51385,7 @@
           </a:ln>
           <a:extLst>
             <a:ext uri="{C572A759-6A51-4108-AA02-DFA0A04FC94B}">
-              <ma14:wrappingTextBoxFlag xmlns:ma14="http://schemas.microsoft.com/office/mac/drawingml/2011/main" xmlns:a14="http://schemas.microsoft.com/office/drawing/2010/main" xmlns:m="http://schemas.openxmlformats.org/officeDocument/2006/math" xmlns="" val="1"/>
+              <ma14:wrappingTextBoxFlag xmlns="" xmlns:m="http://schemas.openxmlformats.org/officeDocument/2006/math" xmlns:a14="http://schemas.microsoft.com/office/drawing/2010/main" xmlns:ma14="http://schemas.microsoft.com/office/mac/drawingml/2011/main" val="1"/>
             </a:ext>
           </a:extLst>
         </p:spPr>
@@ -51429,7 +51424,7 @@
           </a:ln>
           <a:extLst>
             <a:ext uri="{C572A759-6A51-4108-AA02-DFA0A04FC94B}">
-              <ma14:wrappingTextBoxFlag xmlns:ma14="http://schemas.microsoft.com/office/mac/drawingml/2011/main" xmlns:a14="http://schemas.microsoft.com/office/drawing/2010/main" xmlns:m="http://schemas.openxmlformats.org/officeDocument/2006/math" xmlns="" val="1"/>
+              <ma14:wrappingTextBoxFlag xmlns="" xmlns:m="http://schemas.openxmlformats.org/officeDocument/2006/math" xmlns:a14="http://schemas.microsoft.com/office/drawing/2010/main" xmlns:ma14="http://schemas.microsoft.com/office/mac/drawingml/2011/main" val="1"/>
             </a:ext>
           </a:extLst>
         </p:spPr>
@@ -51468,7 +51463,7 @@
           </a:ln>
           <a:extLst>
             <a:ext uri="{C572A759-6A51-4108-AA02-DFA0A04FC94B}">
-              <ma14:wrappingTextBoxFlag xmlns:ma14="http://schemas.microsoft.com/office/mac/drawingml/2011/main" xmlns:a14="http://schemas.microsoft.com/office/drawing/2010/main" xmlns:m="http://schemas.openxmlformats.org/officeDocument/2006/math" xmlns="" val="1"/>
+              <ma14:wrappingTextBoxFlag xmlns="" xmlns:m="http://schemas.openxmlformats.org/officeDocument/2006/math" xmlns:a14="http://schemas.microsoft.com/office/drawing/2010/main" xmlns:ma14="http://schemas.microsoft.com/office/mac/drawingml/2011/main" val="1"/>
             </a:ext>
           </a:extLst>
         </p:spPr>
